--- a/11.7.22 Week 10 Day 1 Principal Component Analysis.pptx
+++ b/11.7.22 Week 10 Day 1 Principal Component Analysis.pptx
@@ -4387,7 +4387,7 @@
         <p:fade/>
       </p:transition>
     </mc:Choice>
-    <mc:Fallback xmlns:ahyp="http://schemas.microsoft.com/office/drawing/2018/hyperlinkcolor" xmlns:p15="http://schemas.microsoft.com/office/powerpoint/2012/main" xmlns:com="http://schemas.openxmlformats.org/drawingml/2006/compatibility" xmlns:pvml="urn:schemas-microsoft-com:office:powerpoint" xmlns:v="urn:schemas-microsoft-com:vml" xmlns:o="urn:schemas-microsoft-com:office:office" xmlns:dgm="http://schemas.openxmlformats.org/drawingml/2006/diagram" xmlns:c="http://schemas.openxmlformats.org/drawingml/2006/chart" xmlns:mv="urn:schemas-microsoft-com:mac:vml" xmlns="">
+    <mc:Fallback xmlns="" xmlns:mv="urn:schemas-microsoft-com:mac:vml" xmlns:c="http://schemas.openxmlformats.org/drawingml/2006/chart" xmlns:dgm="http://schemas.openxmlformats.org/drawingml/2006/diagram" xmlns:o="urn:schemas-microsoft-com:office:office" xmlns:v="urn:schemas-microsoft-com:vml" xmlns:pvml="urn:schemas-microsoft-com:office:powerpoint" xmlns:com="http://schemas.openxmlformats.org/drawingml/2006/compatibility" xmlns:p15="http://schemas.microsoft.com/office/powerpoint/2012/main" xmlns:ahyp="http://schemas.microsoft.com/office/drawing/2018/hyperlinkcolor">
       <p:transition spd="slow">
         <p:fade/>
       </p:transition>
@@ -4424,7 +4424,7 @@
         <p:fade/>
       </p:transition>
     </mc:Choice>
-    <mc:Fallback xmlns:ahyp="http://schemas.microsoft.com/office/drawing/2018/hyperlinkcolor" xmlns:p15="http://schemas.microsoft.com/office/powerpoint/2012/main" xmlns:com="http://schemas.openxmlformats.org/drawingml/2006/compatibility" xmlns:pvml="urn:schemas-microsoft-com:office:powerpoint" xmlns:v="urn:schemas-microsoft-com:vml" xmlns:o="urn:schemas-microsoft-com:office:office" xmlns:dgm="http://schemas.openxmlformats.org/drawingml/2006/diagram" xmlns:c="http://schemas.openxmlformats.org/drawingml/2006/chart" xmlns:mv="urn:schemas-microsoft-com:mac:vml" xmlns="">
+    <mc:Fallback xmlns="" xmlns:mv="urn:schemas-microsoft-com:mac:vml" xmlns:c="http://schemas.openxmlformats.org/drawingml/2006/chart" xmlns:dgm="http://schemas.openxmlformats.org/drawingml/2006/diagram" xmlns:o="urn:schemas-microsoft-com:office:office" xmlns:v="urn:schemas-microsoft-com:vml" xmlns:pvml="urn:schemas-microsoft-com:office:powerpoint" xmlns:com="http://schemas.openxmlformats.org/drawingml/2006/compatibility" xmlns:p15="http://schemas.microsoft.com/office/powerpoint/2012/main" xmlns:ahyp="http://schemas.microsoft.com/office/drawing/2018/hyperlinkcolor">
       <p:transition spd="slow">
         <p:fade/>
       </p:transition>
@@ -4461,7 +4461,7 @@
         <p:fade/>
       </p:transition>
     </mc:Choice>
-    <mc:Fallback xmlns:ahyp="http://schemas.microsoft.com/office/drawing/2018/hyperlinkcolor" xmlns:p15="http://schemas.microsoft.com/office/powerpoint/2012/main" xmlns:com="http://schemas.openxmlformats.org/drawingml/2006/compatibility" xmlns:pvml="urn:schemas-microsoft-com:office:powerpoint" xmlns:v="urn:schemas-microsoft-com:vml" xmlns:o="urn:schemas-microsoft-com:office:office" xmlns:dgm="http://schemas.openxmlformats.org/drawingml/2006/diagram" xmlns:c="http://schemas.openxmlformats.org/drawingml/2006/chart" xmlns:mv="urn:schemas-microsoft-com:mac:vml" xmlns="">
+    <mc:Fallback xmlns="" xmlns:mv="urn:schemas-microsoft-com:mac:vml" xmlns:c="http://schemas.openxmlformats.org/drawingml/2006/chart" xmlns:dgm="http://schemas.openxmlformats.org/drawingml/2006/diagram" xmlns:o="urn:schemas-microsoft-com:office:office" xmlns:v="urn:schemas-microsoft-com:vml" xmlns:pvml="urn:schemas-microsoft-com:office:powerpoint" xmlns:com="http://schemas.openxmlformats.org/drawingml/2006/compatibility" xmlns:p15="http://schemas.microsoft.com/office/powerpoint/2012/main" xmlns:ahyp="http://schemas.microsoft.com/office/drawing/2018/hyperlinkcolor">
       <p:transition spd="slow">
         <p:fade/>
       </p:transition>
@@ -4498,7 +4498,7 @@
         <p:fade/>
       </p:transition>
     </mc:Choice>
-    <mc:Fallback xmlns:ahyp="http://schemas.microsoft.com/office/drawing/2018/hyperlinkcolor" xmlns:p15="http://schemas.microsoft.com/office/powerpoint/2012/main" xmlns:com="http://schemas.openxmlformats.org/drawingml/2006/compatibility" xmlns:pvml="urn:schemas-microsoft-com:office:powerpoint" xmlns:v="urn:schemas-microsoft-com:vml" xmlns:o="urn:schemas-microsoft-com:office:office" xmlns:dgm="http://schemas.openxmlformats.org/drawingml/2006/diagram" xmlns:c="http://schemas.openxmlformats.org/drawingml/2006/chart" xmlns:mv="urn:schemas-microsoft-com:mac:vml" xmlns="">
+    <mc:Fallback xmlns="" xmlns:mv="urn:schemas-microsoft-com:mac:vml" xmlns:c="http://schemas.openxmlformats.org/drawingml/2006/chart" xmlns:dgm="http://schemas.openxmlformats.org/drawingml/2006/diagram" xmlns:o="urn:schemas-microsoft-com:office:office" xmlns:v="urn:schemas-microsoft-com:vml" xmlns:pvml="urn:schemas-microsoft-com:office:powerpoint" xmlns:com="http://schemas.openxmlformats.org/drawingml/2006/compatibility" xmlns:p15="http://schemas.microsoft.com/office/powerpoint/2012/main" xmlns:ahyp="http://schemas.microsoft.com/office/drawing/2018/hyperlinkcolor">
       <p:transition spd="slow">
         <p:fade/>
       </p:transition>
@@ -4535,7 +4535,7 @@
         <p:fade/>
       </p:transition>
     </mc:Choice>
-    <mc:Fallback xmlns:ahyp="http://schemas.microsoft.com/office/drawing/2018/hyperlinkcolor" xmlns:p15="http://schemas.microsoft.com/office/powerpoint/2012/main" xmlns:com="http://schemas.openxmlformats.org/drawingml/2006/compatibility" xmlns:pvml="urn:schemas-microsoft-com:office:powerpoint" xmlns:v="urn:schemas-microsoft-com:vml" xmlns:o="urn:schemas-microsoft-com:office:office" xmlns:dgm="http://schemas.openxmlformats.org/drawingml/2006/diagram" xmlns:c="http://schemas.openxmlformats.org/drawingml/2006/chart" xmlns:mv="urn:schemas-microsoft-com:mac:vml" xmlns="">
+    <mc:Fallback xmlns="" xmlns:mv="urn:schemas-microsoft-com:mac:vml" xmlns:c="http://schemas.openxmlformats.org/drawingml/2006/chart" xmlns:dgm="http://schemas.openxmlformats.org/drawingml/2006/diagram" xmlns:o="urn:schemas-microsoft-com:office:office" xmlns:v="urn:schemas-microsoft-com:vml" xmlns:pvml="urn:schemas-microsoft-com:office:powerpoint" xmlns:com="http://schemas.openxmlformats.org/drawingml/2006/compatibility" xmlns:p15="http://schemas.microsoft.com/office/powerpoint/2012/main" xmlns:ahyp="http://schemas.microsoft.com/office/drawing/2018/hyperlinkcolor">
       <p:transition spd="slow">
         <p:fade/>
       </p:transition>
@@ -6570,7 +6570,7 @@
         <p:fade/>
       </p:transition>
     </mc:Choice>
-    <mc:Fallback xmlns:ahyp="http://schemas.microsoft.com/office/drawing/2018/hyperlinkcolor" xmlns:p15="http://schemas.microsoft.com/office/powerpoint/2012/main" xmlns:com="http://schemas.openxmlformats.org/drawingml/2006/compatibility" xmlns:pvml="urn:schemas-microsoft-com:office:powerpoint" xmlns:v="urn:schemas-microsoft-com:vml" xmlns:o="urn:schemas-microsoft-com:office:office" xmlns:dgm="http://schemas.openxmlformats.org/drawingml/2006/diagram" xmlns:c="http://schemas.openxmlformats.org/drawingml/2006/chart" xmlns:mv="urn:schemas-microsoft-com:mac:vml" xmlns="">
+    <mc:Fallback xmlns="" xmlns:mv="urn:schemas-microsoft-com:mac:vml" xmlns:c="http://schemas.openxmlformats.org/drawingml/2006/chart" xmlns:dgm="http://schemas.openxmlformats.org/drawingml/2006/diagram" xmlns:o="urn:schemas-microsoft-com:office:office" xmlns:v="urn:schemas-microsoft-com:vml" xmlns:pvml="urn:schemas-microsoft-com:office:powerpoint" xmlns:com="http://schemas.openxmlformats.org/drawingml/2006/compatibility" xmlns:p15="http://schemas.microsoft.com/office/powerpoint/2012/main" xmlns:ahyp="http://schemas.microsoft.com/office/drawing/2018/hyperlinkcolor">
       <p:transition spd="slow">
         <p:fade/>
       </p:transition>
@@ -6607,7 +6607,7 @@
         <p:fade/>
       </p:transition>
     </mc:Choice>
-    <mc:Fallback xmlns:ahyp="http://schemas.microsoft.com/office/drawing/2018/hyperlinkcolor" xmlns:p15="http://schemas.microsoft.com/office/powerpoint/2012/main" xmlns:com="http://schemas.openxmlformats.org/drawingml/2006/compatibility" xmlns:pvml="urn:schemas-microsoft-com:office:powerpoint" xmlns:v="urn:schemas-microsoft-com:vml" xmlns:o="urn:schemas-microsoft-com:office:office" xmlns:dgm="http://schemas.openxmlformats.org/drawingml/2006/diagram" xmlns:c="http://schemas.openxmlformats.org/drawingml/2006/chart" xmlns:mv="urn:schemas-microsoft-com:mac:vml" xmlns="">
+    <mc:Fallback xmlns="" xmlns:mv="urn:schemas-microsoft-com:mac:vml" xmlns:c="http://schemas.openxmlformats.org/drawingml/2006/chart" xmlns:dgm="http://schemas.openxmlformats.org/drawingml/2006/diagram" xmlns:o="urn:schemas-microsoft-com:office:office" xmlns:v="urn:schemas-microsoft-com:vml" xmlns:pvml="urn:schemas-microsoft-com:office:powerpoint" xmlns:com="http://schemas.openxmlformats.org/drawingml/2006/compatibility" xmlns:p15="http://schemas.microsoft.com/office/powerpoint/2012/main" xmlns:ahyp="http://schemas.microsoft.com/office/drawing/2018/hyperlinkcolor">
       <p:transition spd="slow">
         <p:fade/>
       </p:transition>
@@ -6644,7 +6644,7 @@
         <p:fade/>
       </p:transition>
     </mc:Choice>
-    <mc:Fallback xmlns:ahyp="http://schemas.microsoft.com/office/drawing/2018/hyperlinkcolor" xmlns:p15="http://schemas.microsoft.com/office/powerpoint/2012/main" xmlns:com="http://schemas.openxmlformats.org/drawingml/2006/compatibility" xmlns:pvml="urn:schemas-microsoft-com:office:powerpoint" xmlns:v="urn:schemas-microsoft-com:vml" xmlns:o="urn:schemas-microsoft-com:office:office" xmlns:dgm="http://schemas.openxmlformats.org/drawingml/2006/diagram" xmlns:c="http://schemas.openxmlformats.org/drawingml/2006/chart" xmlns:mv="urn:schemas-microsoft-com:mac:vml" xmlns="">
+    <mc:Fallback xmlns="" xmlns:mv="urn:schemas-microsoft-com:mac:vml" xmlns:c="http://schemas.openxmlformats.org/drawingml/2006/chart" xmlns:dgm="http://schemas.openxmlformats.org/drawingml/2006/diagram" xmlns:o="urn:schemas-microsoft-com:office:office" xmlns:v="urn:schemas-microsoft-com:vml" xmlns:pvml="urn:schemas-microsoft-com:office:powerpoint" xmlns:com="http://schemas.openxmlformats.org/drawingml/2006/compatibility" xmlns:p15="http://schemas.microsoft.com/office/powerpoint/2012/main" xmlns:ahyp="http://schemas.microsoft.com/office/drawing/2018/hyperlinkcolor">
       <p:transition spd="slow">
         <p:fade/>
       </p:transition>
@@ -6681,7 +6681,7 @@
         <p:fade/>
       </p:transition>
     </mc:Choice>
-    <mc:Fallback xmlns:ahyp="http://schemas.microsoft.com/office/drawing/2018/hyperlinkcolor" xmlns:p15="http://schemas.microsoft.com/office/powerpoint/2012/main" xmlns:com="http://schemas.openxmlformats.org/drawingml/2006/compatibility" xmlns:pvml="urn:schemas-microsoft-com:office:powerpoint" xmlns:v="urn:schemas-microsoft-com:vml" xmlns:o="urn:schemas-microsoft-com:office:office" xmlns:dgm="http://schemas.openxmlformats.org/drawingml/2006/diagram" xmlns:c="http://schemas.openxmlformats.org/drawingml/2006/chart" xmlns:mv="urn:schemas-microsoft-com:mac:vml" xmlns="">
+    <mc:Fallback xmlns="" xmlns:mv="urn:schemas-microsoft-com:mac:vml" xmlns:c="http://schemas.openxmlformats.org/drawingml/2006/chart" xmlns:dgm="http://schemas.openxmlformats.org/drawingml/2006/diagram" xmlns:o="urn:schemas-microsoft-com:office:office" xmlns:v="urn:schemas-microsoft-com:vml" xmlns:pvml="urn:schemas-microsoft-com:office:powerpoint" xmlns:com="http://schemas.openxmlformats.org/drawingml/2006/compatibility" xmlns:p15="http://schemas.microsoft.com/office/powerpoint/2012/main" xmlns:ahyp="http://schemas.microsoft.com/office/drawing/2018/hyperlinkcolor">
       <p:transition spd="slow">
         <p:fade/>
       </p:transition>
@@ -6718,7 +6718,7 @@
         <p:fade/>
       </p:transition>
     </mc:Choice>
-    <mc:Fallback xmlns:ahyp="http://schemas.microsoft.com/office/drawing/2018/hyperlinkcolor" xmlns:p15="http://schemas.microsoft.com/office/powerpoint/2012/main" xmlns:com="http://schemas.openxmlformats.org/drawingml/2006/compatibility" xmlns:pvml="urn:schemas-microsoft-com:office:powerpoint" xmlns:v="urn:schemas-microsoft-com:vml" xmlns:o="urn:schemas-microsoft-com:office:office" xmlns:dgm="http://schemas.openxmlformats.org/drawingml/2006/diagram" xmlns:c="http://schemas.openxmlformats.org/drawingml/2006/chart" xmlns:mv="urn:schemas-microsoft-com:mac:vml" xmlns="">
+    <mc:Fallback xmlns="" xmlns:mv="urn:schemas-microsoft-com:mac:vml" xmlns:c="http://schemas.openxmlformats.org/drawingml/2006/chart" xmlns:dgm="http://schemas.openxmlformats.org/drawingml/2006/diagram" xmlns:o="urn:schemas-microsoft-com:office:office" xmlns:v="urn:schemas-microsoft-com:vml" xmlns:pvml="urn:schemas-microsoft-com:office:powerpoint" xmlns:com="http://schemas.openxmlformats.org/drawingml/2006/compatibility" xmlns:p15="http://schemas.microsoft.com/office/powerpoint/2012/main" xmlns:ahyp="http://schemas.microsoft.com/office/drawing/2018/hyperlinkcolor">
       <p:transition spd="slow">
         <p:fade/>
       </p:transition>
@@ -6755,7 +6755,7 @@
         <p:fade/>
       </p:transition>
     </mc:Choice>
-    <mc:Fallback xmlns:ahyp="http://schemas.microsoft.com/office/drawing/2018/hyperlinkcolor" xmlns:p15="http://schemas.microsoft.com/office/powerpoint/2012/main" xmlns:com="http://schemas.openxmlformats.org/drawingml/2006/compatibility" xmlns:pvml="urn:schemas-microsoft-com:office:powerpoint" xmlns:v="urn:schemas-microsoft-com:vml" xmlns:o="urn:schemas-microsoft-com:office:office" xmlns:dgm="http://schemas.openxmlformats.org/drawingml/2006/diagram" xmlns:c="http://schemas.openxmlformats.org/drawingml/2006/chart" xmlns:mv="urn:schemas-microsoft-com:mac:vml" xmlns="">
+    <mc:Fallback xmlns="" xmlns:mv="urn:schemas-microsoft-com:mac:vml" xmlns:c="http://schemas.openxmlformats.org/drawingml/2006/chart" xmlns:dgm="http://schemas.openxmlformats.org/drawingml/2006/diagram" xmlns:o="urn:schemas-microsoft-com:office:office" xmlns:v="urn:schemas-microsoft-com:vml" xmlns:pvml="urn:schemas-microsoft-com:office:powerpoint" xmlns:com="http://schemas.openxmlformats.org/drawingml/2006/compatibility" xmlns:p15="http://schemas.microsoft.com/office/powerpoint/2012/main" xmlns:ahyp="http://schemas.microsoft.com/office/drawing/2018/hyperlinkcolor">
       <p:transition spd="slow">
         <p:fade/>
       </p:transition>
@@ -7354,7 +7354,7 @@
         <p:fade/>
       </p:transition>
     </mc:Choice>
-    <mc:Fallback xmlns:ahyp="http://schemas.microsoft.com/office/drawing/2018/hyperlinkcolor" xmlns:p15="http://schemas.microsoft.com/office/powerpoint/2012/main" xmlns:com="http://schemas.openxmlformats.org/drawingml/2006/compatibility" xmlns:pvml="urn:schemas-microsoft-com:office:powerpoint" xmlns:v="urn:schemas-microsoft-com:vml" xmlns:o="urn:schemas-microsoft-com:office:office" xmlns:dgm="http://schemas.openxmlformats.org/drawingml/2006/diagram" xmlns:c="http://schemas.openxmlformats.org/drawingml/2006/chart" xmlns:mv="urn:schemas-microsoft-com:mac:vml" xmlns="">
+    <mc:Fallback xmlns="" xmlns:mv="urn:schemas-microsoft-com:mac:vml" xmlns:c="http://schemas.openxmlformats.org/drawingml/2006/chart" xmlns:dgm="http://schemas.openxmlformats.org/drawingml/2006/diagram" xmlns:o="urn:schemas-microsoft-com:office:office" xmlns:v="urn:schemas-microsoft-com:vml" xmlns:pvml="urn:schemas-microsoft-com:office:powerpoint" xmlns:com="http://schemas.openxmlformats.org/drawingml/2006/compatibility" xmlns:p15="http://schemas.microsoft.com/office/powerpoint/2012/main" xmlns:ahyp="http://schemas.microsoft.com/office/drawing/2018/hyperlinkcolor">
       <p:transition spd="slow">
         <p:fade/>
       </p:transition>
@@ -11592,42 +11592,6 @@
             <a:endParaRPr dirty="0"/>
           </a:p>
           <a:p>
-            <a:pPr marL="457200" lvl="0" indent="-317500" algn="l" rtl="0">
-              <a:lnSpc>
-                <a:spcPct val="100000"/>
-              </a:lnSpc>
-              <a:spcBef>
-                <a:spcPts val="0"/>
-              </a:spcBef>
-              <a:spcAft>
-                <a:spcPts val="0"/>
-              </a:spcAft>
-              <a:buSzPts val="1400"/>
-              <a:buChar char="●"/>
-            </a:pPr>
-            <a:r>
-              <a:rPr lang="en" dirty="0"/>
-              <a:t>Note: What do you think an outlier might mean for this dataset?</a:t>
-            </a:r>
-            <a:endParaRPr dirty="0"/>
-          </a:p>
-          <a:p>
-            <a:pPr marL="0" lvl="0" indent="0" algn="l" rtl="0">
-              <a:lnSpc>
-                <a:spcPct val="100000"/>
-              </a:lnSpc>
-              <a:spcBef>
-                <a:spcPts val="0"/>
-              </a:spcBef>
-              <a:spcAft>
-                <a:spcPts val="0"/>
-              </a:spcAft>
-              <a:buSzPts val="1400"/>
-              <a:buNone/>
-            </a:pPr>
-            <a:endParaRPr dirty="0"/>
-          </a:p>
-          <a:p>
             <a:pPr marL="0" lvl="0" indent="0" algn="l" rtl="0">
               <a:lnSpc>
                 <a:spcPct val="100000"/>
@@ -11766,7 +11730,7 @@
         </p:blipFill>
         <p:spPr>
           <a:xfrm>
-            <a:off x="4082350" y="4155617"/>
+            <a:off x="3994406" y="3721200"/>
             <a:ext cx="1155188" cy="269825"/>
           </a:xfrm>
           <a:prstGeom prst="rect">

--- a/11.7.22 Week 10 Day 1 Principal Component Analysis.pptx
+++ b/11.7.22 Week 10 Day 1 Principal Component Analysis.pptx
@@ -5,7 +5,7 @@
     <p:sldMasterId id="2147483663" r:id="rId1"/>
   </p:sldMasterIdLst>
   <p:notesMasterIdLst>
-    <p:notesMasterId r:id="rId26"/>
+    <p:notesMasterId r:id="rId27"/>
   </p:notesMasterIdLst>
   <p:sldIdLst>
     <p:sldId id="256" r:id="rId2"/>
@@ -16,22 +16,23 @@
     <p:sldId id="261" r:id="rId7"/>
     <p:sldId id="262" r:id="rId8"/>
     <p:sldId id="263" r:id="rId9"/>
-    <p:sldId id="264" r:id="rId10"/>
-    <p:sldId id="265" r:id="rId11"/>
-    <p:sldId id="266" r:id="rId12"/>
-    <p:sldId id="267" r:id="rId13"/>
-    <p:sldId id="268" r:id="rId14"/>
-    <p:sldId id="269" r:id="rId15"/>
-    <p:sldId id="270" r:id="rId16"/>
-    <p:sldId id="271" r:id="rId17"/>
-    <p:sldId id="272" r:id="rId18"/>
-    <p:sldId id="273" r:id="rId19"/>
-    <p:sldId id="274" r:id="rId20"/>
-    <p:sldId id="275" r:id="rId21"/>
-    <p:sldId id="276" r:id="rId22"/>
-    <p:sldId id="277" r:id="rId23"/>
-    <p:sldId id="278" r:id="rId24"/>
-    <p:sldId id="279" r:id="rId25"/>
+    <p:sldId id="280" r:id="rId10"/>
+    <p:sldId id="264" r:id="rId11"/>
+    <p:sldId id="265" r:id="rId12"/>
+    <p:sldId id="266" r:id="rId13"/>
+    <p:sldId id="267" r:id="rId14"/>
+    <p:sldId id="268" r:id="rId15"/>
+    <p:sldId id="269" r:id="rId16"/>
+    <p:sldId id="270" r:id="rId17"/>
+    <p:sldId id="271" r:id="rId18"/>
+    <p:sldId id="272" r:id="rId19"/>
+    <p:sldId id="273" r:id="rId20"/>
+    <p:sldId id="274" r:id="rId21"/>
+    <p:sldId id="275" r:id="rId22"/>
+    <p:sldId id="276" r:id="rId23"/>
+    <p:sldId id="277" r:id="rId24"/>
+    <p:sldId id="278" r:id="rId25"/>
+    <p:sldId id="279" r:id="rId26"/>
   </p:sldIdLst>
   <p:sldSz cx="9144000" cy="5143500" type="screen16x9"/>
   <p:notesSz cx="6858000" cy="9144000"/>
@@ -1254,7 +1255,7 @@
         </p:nvSpPr>
         <p:spPr>
           <a:xfrm>
-            <a:off x="381300" y="685800"/>
+            <a:off x="381000" y="685800"/>
             <a:ext cx="6096000" cy="3429000"/>
           </a:xfrm>
           <a:custGeom>
@@ -3116,7 +3117,7 @@
         </p:nvSpPr>
         <p:spPr>
           <a:xfrm>
-            <a:off x="381300" y="685800"/>
+            <a:off x="381000" y="685800"/>
             <a:ext cx="6096000" cy="3429000"/>
           </a:xfrm>
           <a:custGeom>
@@ -3324,7 +3325,7 @@
         </p:nvSpPr>
         <p:spPr>
           <a:xfrm>
-            <a:off x="381300" y="685800"/>
+            <a:off x="381000" y="685800"/>
             <a:ext cx="6096000" cy="3429000"/>
           </a:xfrm>
           <a:custGeom>
@@ -3550,7 +3551,7 @@
         </p:nvSpPr>
         <p:spPr>
           <a:xfrm>
-            <a:off x="381300" y="685800"/>
+            <a:off x="381000" y="685800"/>
             <a:ext cx="6096000" cy="3429000"/>
           </a:xfrm>
           <a:custGeom>
@@ -4387,7 +4388,7 @@
         <p:fade/>
       </p:transition>
     </mc:Choice>
-    <mc:Fallback xmlns="" xmlns:mv="urn:schemas-microsoft-com:mac:vml" xmlns:c="http://schemas.openxmlformats.org/drawingml/2006/chart" xmlns:dgm="http://schemas.openxmlformats.org/drawingml/2006/diagram" xmlns:o="urn:schemas-microsoft-com:office:office" xmlns:v="urn:schemas-microsoft-com:vml" xmlns:pvml="urn:schemas-microsoft-com:office:powerpoint" xmlns:com="http://schemas.openxmlformats.org/drawingml/2006/compatibility" xmlns:p15="http://schemas.microsoft.com/office/powerpoint/2012/main" xmlns:ahyp="http://schemas.microsoft.com/office/drawing/2018/hyperlinkcolor">
+    <mc:Fallback xmlns:ahyp="http://schemas.microsoft.com/office/drawing/2018/hyperlinkcolor" xmlns:p15="http://schemas.microsoft.com/office/powerpoint/2012/main" xmlns:com="http://schemas.openxmlformats.org/drawingml/2006/compatibility" xmlns:pvml="urn:schemas-microsoft-com:office:powerpoint" xmlns:v="urn:schemas-microsoft-com:vml" xmlns:o="urn:schemas-microsoft-com:office:office" xmlns:dgm="http://schemas.openxmlformats.org/drawingml/2006/diagram" xmlns:c="http://schemas.openxmlformats.org/drawingml/2006/chart" xmlns:mv="urn:schemas-microsoft-com:mac:vml" xmlns="">
       <p:transition spd="slow">
         <p:fade/>
       </p:transition>
@@ -4424,7 +4425,7 @@
         <p:fade/>
       </p:transition>
     </mc:Choice>
-    <mc:Fallback xmlns="" xmlns:mv="urn:schemas-microsoft-com:mac:vml" xmlns:c="http://schemas.openxmlformats.org/drawingml/2006/chart" xmlns:dgm="http://schemas.openxmlformats.org/drawingml/2006/diagram" xmlns:o="urn:schemas-microsoft-com:office:office" xmlns:v="urn:schemas-microsoft-com:vml" xmlns:pvml="urn:schemas-microsoft-com:office:powerpoint" xmlns:com="http://schemas.openxmlformats.org/drawingml/2006/compatibility" xmlns:p15="http://schemas.microsoft.com/office/powerpoint/2012/main" xmlns:ahyp="http://schemas.microsoft.com/office/drawing/2018/hyperlinkcolor">
+    <mc:Fallback xmlns:ahyp="http://schemas.microsoft.com/office/drawing/2018/hyperlinkcolor" xmlns:p15="http://schemas.microsoft.com/office/powerpoint/2012/main" xmlns:com="http://schemas.openxmlformats.org/drawingml/2006/compatibility" xmlns:pvml="urn:schemas-microsoft-com:office:powerpoint" xmlns:v="urn:schemas-microsoft-com:vml" xmlns:o="urn:schemas-microsoft-com:office:office" xmlns:dgm="http://schemas.openxmlformats.org/drawingml/2006/diagram" xmlns:c="http://schemas.openxmlformats.org/drawingml/2006/chart" xmlns:mv="urn:schemas-microsoft-com:mac:vml" xmlns="">
       <p:transition spd="slow">
         <p:fade/>
       </p:transition>
@@ -4461,7 +4462,7 @@
         <p:fade/>
       </p:transition>
     </mc:Choice>
-    <mc:Fallback xmlns="" xmlns:mv="urn:schemas-microsoft-com:mac:vml" xmlns:c="http://schemas.openxmlformats.org/drawingml/2006/chart" xmlns:dgm="http://schemas.openxmlformats.org/drawingml/2006/diagram" xmlns:o="urn:schemas-microsoft-com:office:office" xmlns:v="urn:schemas-microsoft-com:vml" xmlns:pvml="urn:schemas-microsoft-com:office:powerpoint" xmlns:com="http://schemas.openxmlformats.org/drawingml/2006/compatibility" xmlns:p15="http://schemas.microsoft.com/office/powerpoint/2012/main" xmlns:ahyp="http://schemas.microsoft.com/office/drawing/2018/hyperlinkcolor">
+    <mc:Fallback xmlns:ahyp="http://schemas.microsoft.com/office/drawing/2018/hyperlinkcolor" xmlns:p15="http://schemas.microsoft.com/office/powerpoint/2012/main" xmlns:com="http://schemas.openxmlformats.org/drawingml/2006/compatibility" xmlns:pvml="urn:schemas-microsoft-com:office:powerpoint" xmlns:v="urn:schemas-microsoft-com:vml" xmlns:o="urn:schemas-microsoft-com:office:office" xmlns:dgm="http://schemas.openxmlformats.org/drawingml/2006/diagram" xmlns:c="http://schemas.openxmlformats.org/drawingml/2006/chart" xmlns:mv="urn:schemas-microsoft-com:mac:vml" xmlns="">
       <p:transition spd="slow">
         <p:fade/>
       </p:transition>
@@ -4498,7 +4499,7 @@
         <p:fade/>
       </p:transition>
     </mc:Choice>
-    <mc:Fallback xmlns="" xmlns:mv="urn:schemas-microsoft-com:mac:vml" xmlns:c="http://schemas.openxmlformats.org/drawingml/2006/chart" xmlns:dgm="http://schemas.openxmlformats.org/drawingml/2006/diagram" xmlns:o="urn:schemas-microsoft-com:office:office" xmlns:v="urn:schemas-microsoft-com:vml" xmlns:pvml="urn:schemas-microsoft-com:office:powerpoint" xmlns:com="http://schemas.openxmlformats.org/drawingml/2006/compatibility" xmlns:p15="http://schemas.microsoft.com/office/powerpoint/2012/main" xmlns:ahyp="http://schemas.microsoft.com/office/drawing/2018/hyperlinkcolor">
+    <mc:Fallback xmlns:ahyp="http://schemas.microsoft.com/office/drawing/2018/hyperlinkcolor" xmlns:p15="http://schemas.microsoft.com/office/powerpoint/2012/main" xmlns:com="http://schemas.openxmlformats.org/drawingml/2006/compatibility" xmlns:pvml="urn:schemas-microsoft-com:office:powerpoint" xmlns:v="urn:schemas-microsoft-com:vml" xmlns:o="urn:schemas-microsoft-com:office:office" xmlns:dgm="http://schemas.openxmlformats.org/drawingml/2006/diagram" xmlns:c="http://schemas.openxmlformats.org/drawingml/2006/chart" xmlns:mv="urn:schemas-microsoft-com:mac:vml" xmlns="">
       <p:transition spd="slow">
         <p:fade/>
       </p:transition>
@@ -4535,7 +4536,7 @@
         <p:fade/>
       </p:transition>
     </mc:Choice>
-    <mc:Fallback xmlns="" xmlns:mv="urn:schemas-microsoft-com:mac:vml" xmlns:c="http://schemas.openxmlformats.org/drawingml/2006/chart" xmlns:dgm="http://schemas.openxmlformats.org/drawingml/2006/diagram" xmlns:o="urn:schemas-microsoft-com:office:office" xmlns:v="urn:schemas-microsoft-com:vml" xmlns:pvml="urn:schemas-microsoft-com:office:powerpoint" xmlns:com="http://schemas.openxmlformats.org/drawingml/2006/compatibility" xmlns:p15="http://schemas.microsoft.com/office/powerpoint/2012/main" xmlns:ahyp="http://schemas.microsoft.com/office/drawing/2018/hyperlinkcolor">
+    <mc:Fallback xmlns:ahyp="http://schemas.microsoft.com/office/drawing/2018/hyperlinkcolor" xmlns:p15="http://schemas.microsoft.com/office/powerpoint/2012/main" xmlns:com="http://schemas.openxmlformats.org/drawingml/2006/compatibility" xmlns:pvml="urn:schemas-microsoft-com:office:powerpoint" xmlns:v="urn:schemas-microsoft-com:vml" xmlns:o="urn:schemas-microsoft-com:office:office" xmlns:dgm="http://schemas.openxmlformats.org/drawingml/2006/diagram" xmlns:c="http://schemas.openxmlformats.org/drawingml/2006/chart" xmlns:mv="urn:schemas-microsoft-com:mac:vml" xmlns="">
       <p:transition spd="slow">
         <p:fade/>
       </p:transition>
@@ -6570,7 +6571,7 @@
         <p:fade/>
       </p:transition>
     </mc:Choice>
-    <mc:Fallback xmlns="" xmlns:mv="urn:schemas-microsoft-com:mac:vml" xmlns:c="http://schemas.openxmlformats.org/drawingml/2006/chart" xmlns:dgm="http://schemas.openxmlformats.org/drawingml/2006/diagram" xmlns:o="urn:schemas-microsoft-com:office:office" xmlns:v="urn:schemas-microsoft-com:vml" xmlns:pvml="urn:schemas-microsoft-com:office:powerpoint" xmlns:com="http://schemas.openxmlformats.org/drawingml/2006/compatibility" xmlns:p15="http://schemas.microsoft.com/office/powerpoint/2012/main" xmlns:ahyp="http://schemas.microsoft.com/office/drawing/2018/hyperlinkcolor">
+    <mc:Fallback xmlns:ahyp="http://schemas.microsoft.com/office/drawing/2018/hyperlinkcolor" xmlns:p15="http://schemas.microsoft.com/office/powerpoint/2012/main" xmlns:com="http://schemas.openxmlformats.org/drawingml/2006/compatibility" xmlns:pvml="urn:schemas-microsoft-com:office:powerpoint" xmlns:v="urn:schemas-microsoft-com:vml" xmlns:o="urn:schemas-microsoft-com:office:office" xmlns:dgm="http://schemas.openxmlformats.org/drawingml/2006/diagram" xmlns:c="http://schemas.openxmlformats.org/drawingml/2006/chart" xmlns:mv="urn:schemas-microsoft-com:mac:vml" xmlns="">
       <p:transition spd="slow">
         <p:fade/>
       </p:transition>
@@ -6607,7 +6608,7 @@
         <p:fade/>
       </p:transition>
     </mc:Choice>
-    <mc:Fallback xmlns="" xmlns:mv="urn:schemas-microsoft-com:mac:vml" xmlns:c="http://schemas.openxmlformats.org/drawingml/2006/chart" xmlns:dgm="http://schemas.openxmlformats.org/drawingml/2006/diagram" xmlns:o="urn:schemas-microsoft-com:office:office" xmlns:v="urn:schemas-microsoft-com:vml" xmlns:pvml="urn:schemas-microsoft-com:office:powerpoint" xmlns:com="http://schemas.openxmlformats.org/drawingml/2006/compatibility" xmlns:p15="http://schemas.microsoft.com/office/powerpoint/2012/main" xmlns:ahyp="http://schemas.microsoft.com/office/drawing/2018/hyperlinkcolor">
+    <mc:Fallback xmlns:ahyp="http://schemas.microsoft.com/office/drawing/2018/hyperlinkcolor" xmlns:p15="http://schemas.microsoft.com/office/powerpoint/2012/main" xmlns:com="http://schemas.openxmlformats.org/drawingml/2006/compatibility" xmlns:pvml="urn:schemas-microsoft-com:office:powerpoint" xmlns:v="urn:schemas-microsoft-com:vml" xmlns:o="urn:schemas-microsoft-com:office:office" xmlns:dgm="http://schemas.openxmlformats.org/drawingml/2006/diagram" xmlns:c="http://schemas.openxmlformats.org/drawingml/2006/chart" xmlns:mv="urn:schemas-microsoft-com:mac:vml" xmlns="">
       <p:transition spd="slow">
         <p:fade/>
       </p:transition>
@@ -6644,7 +6645,7 @@
         <p:fade/>
       </p:transition>
     </mc:Choice>
-    <mc:Fallback xmlns="" xmlns:mv="urn:schemas-microsoft-com:mac:vml" xmlns:c="http://schemas.openxmlformats.org/drawingml/2006/chart" xmlns:dgm="http://schemas.openxmlformats.org/drawingml/2006/diagram" xmlns:o="urn:schemas-microsoft-com:office:office" xmlns:v="urn:schemas-microsoft-com:vml" xmlns:pvml="urn:schemas-microsoft-com:office:powerpoint" xmlns:com="http://schemas.openxmlformats.org/drawingml/2006/compatibility" xmlns:p15="http://schemas.microsoft.com/office/powerpoint/2012/main" xmlns:ahyp="http://schemas.microsoft.com/office/drawing/2018/hyperlinkcolor">
+    <mc:Fallback xmlns:ahyp="http://schemas.microsoft.com/office/drawing/2018/hyperlinkcolor" xmlns:p15="http://schemas.microsoft.com/office/powerpoint/2012/main" xmlns:com="http://schemas.openxmlformats.org/drawingml/2006/compatibility" xmlns:pvml="urn:schemas-microsoft-com:office:powerpoint" xmlns:v="urn:schemas-microsoft-com:vml" xmlns:o="urn:schemas-microsoft-com:office:office" xmlns:dgm="http://schemas.openxmlformats.org/drawingml/2006/diagram" xmlns:c="http://schemas.openxmlformats.org/drawingml/2006/chart" xmlns:mv="urn:schemas-microsoft-com:mac:vml" xmlns="">
       <p:transition spd="slow">
         <p:fade/>
       </p:transition>
@@ -6681,7 +6682,7 @@
         <p:fade/>
       </p:transition>
     </mc:Choice>
-    <mc:Fallback xmlns="" xmlns:mv="urn:schemas-microsoft-com:mac:vml" xmlns:c="http://schemas.openxmlformats.org/drawingml/2006/chart" xmlns:dgm="http://schemas.openxmlformats.org/drawingml/2006/diagram" xmlns:o="urn:schemas-microsoft-com:office:office" xmlns:v="urn:schemas-microsoft-com:vml" xmlns:pvml="urn:schemas-microsoft-com:office:powerpoint" xmlns:com="http://schemas.openxmlformats.org/drawingml/2006/compatibility" xmlns:p15="http://schemas.microsoft.com/office/powerpoint/2012/main" xmlns:ahyp="http://schemas.microsoft.com/office/drawing/2018/hyperlinkcolor">
+    <mc:Fallback xmlns:ahyp="http://schemas.microsoft.com/office/drawing/2018/hyperlinkcolor" xmlns:p15="http://schemas.microsoft.com/office/powerpoint/2012/main" xmlns:com="http://schemas.openxmlformats.org/drawingml/2006/compatibility" xmlns:pvml="urn:schemas-microsoft-com:office:powerpoint" xmlns:v="urn:schemas-microsoft-com:vml" xmlns:o="urn:schemas-microsoft-com:office:office" xmlns:dgm="http://schemas.openxmlformats.org/drawingml/2006/diagram" xmlns:c="http://schemas.openxmlformats.org/drawingml/2006/chart" xmlns:mv="urn:schemas-microsoft-com:mac:vml" xmlns="">
       <p:transition spd="slow">
         <p:fade/>
       </p:transition>
@@ -6718,7 +6719,7 @@
         <p:fade/>
       </p:transition>
     </mc:Choice>
-    <mc:Fallback xmlns="" xmlns:mv="urn:schemas-microsoft-com:mac:vml" xmlns:c="http://schemas.openxmlformats.org/drawingml/2006/chart" xmlns:dgm="http://schemas.openxmlformats.org/drawingml/2006/diagram" xmlns:o="urn:schemas-microsoft-com:office:office" xmlns:v="urn:schemas-microsoft-com:vml" xmlns:pvml="urn:schemas-microsoft-com:office:powerpoint" xmlns:com="http://schemas.openxmlformats.org/drawingml/2006/compatibility" xmlns:p15="http://schemas.microsoft.com/office/powerpoint/2012/main" xmlns:ahyp="http://schemas.microsoft.com/office/drawing/2018/hyperlinkcolor">
+    <mc:Fallback xmlns:ahyp="http://schemas.microsoft.com/office/drawing/2018/hyperlinkcolor" xmlns:p15="http://schemas.microsoft.com/office/powerpoint/2012/main" xmlns:com="http://schemas.openxmlformats.org/drawingml/2006/compatibility" xmlns:pvml="urn:schemas-microsoft-com:office:powerpoint" xmlns:v="urn:schemas-microsoft-com:vml" xmlns:o="urn:schemas-microsoft-com:office:office" xmlns:dgm="http://schemas.openxmlformats.org/drawingml/2006/diagram" xmlns:c="http://schemas.openxmlformats.org/drawingml/2006/chart" xmlns:mv="urn:schemas-microsoft-com:mac:vml" xmlns="">
       <p:transition spd="slow">
         <p:fade/>
       </p:transition>
@@ -6755,7 +6756,7 @@
         <p:fade/>
       </p:transition>
     </mc:Choice>
-    <mc:Fallback xmlns="" xmlns:mv="urn:schemas-microsoft-com:mac:vml" xmlns:c="http://schemas.openxmlformats.org/drawingml/2006/chart" xmlns:dgm="http://schemas.openxmlformats.org/drawingml/2006/diagram" xmlns:o="urn:schemas-microsoft-com:office:office" xmlns:v="urn:schemas-microsoft-com:vml" xmlns:pvml="urn:schemas-microsoft-com:office:powerpoint" xmlns:com="http://schemas.openxmlformats.org/drawingml/2006/compatibility" xmlns:p15="http://schemas.microsoft.com/office/powerpoint/2012/main" xmlns:ahyp="http://schemas.microsoft.com/office/drawing/2018/hyperlinkcolor">
+    <mc:Fallback xmlns:ahyp="http://schemas.microsoft.com/office/drawing/2018/hyperlinkcolor" xmlns:p15="http://schemas.microsoft.com/office/powerpoint/2012/main" xmlns:com="http://schemas.openxmlformats.org/drawingml/2006/compatibility" xmlns:pvml="urn:schemas-microsoft-com:office:powerpoint" xmlns:v="urn:schemas-microsoft-com:vml" xmlns:o="urn:schemas-microsoft-com:office:office" xmlns:dgm="http://schemas.openxmlformats.org/drawingml/2006/diagram" xmlns:c="http://schemas.openxmlformats.org/drawingml/2006/chart" xmlns:mv="urn:schemas-microsoft-com:mac:vml" xmlns="">
       <p:transition spd="slow">
         <p:fade/>
       </p:transition>
@@ -7354,7 +7355,7 @@
         <p:fade/>
       </p:transition>
     </mc:Choice>
-    <mc:Fallback xmlns="" xmlns:mv="urn:schemas-microsoft-com:mac:vml" xmlns:c="http://schemas.openxmlformats.org/drawingml/2006/chart" xmlns:dgm="http://schemas.openxmlformats.org/drawingml/2006/diagram" xmlns:o="urn:schemas-microsoft-com:office:office" xmlns:v="urn:schemas-microsoft-com:vml" xmlns:pvml="urn:schemas-microsoft-com:office:powerpoint" xmlns:com="http://schemas.openxmlformats.org/drawingml/2006/compatibility" xmlns:p15="http://schemas.microsoft.com/office/powerpoint/2012/main" xmlns:ahyp="http://schemas.microsoft.com/office/drawing/2018/hyperlinkcolor">
+    <mc:Fallback xmlns:ahyp="http://schemas.microsoft.com/office/drawing/2018/hyperlinkcolor" xmlns:p15="http://schemas.microsoft.com/office/powerpoint/2012/main" xmlns:com="http://schemas.openxmlformats.org/drawingml/2006/compatibility" xmlns:pvml="urn:schemas-microsoft-com:office:powerpoint" xmlns:v="urn:schemas-microsoft-com:vml" xmlns:o="urn:schemas-microsoft-com:office:office" xmlns:dgm="http://schemas.openxmlformats.org/drawingml/2006/diagram" xmlns:c="http://schemas.openxmlformats.org/drawingml/2006/chart" xmlns:mv="urn:schemas-microsoft-com:mac:vml" xmlns="">
       <p:transition spd="slow">
         <p:fade/>
       </p:transition>
@@ -8191,6 +8192,426 @@
   <p:cSld>
     <p:spTree>
       <p:nvGrpSpPr>
+        <p:cNvPr id="1" name="Shape 99"/>
+        <p:cNvGrpSpPr/>
+        <p:nvPr/>
+      </p:nvGrpSpPr>
+      <p:grpSpPr>
+        <a:xfrm>
+          <a:off x="0" y="0"/>
+          <a:ext cx="0" cy="0"/>
+          <a:chOff x="0" y="0"/>
+          <a:chExt cx="0" cy="0"/>
+        </a:xfrm>
+      </p:grpSpPr>
+      <p:sp>
+        <p:nvSpPr>
+          <p:cNvPr id="100" name="Google Shape;100;p25"/>
+          <p:cNvSpPr txBox="1">
+            <a:spLocks noGrp="1"/>
+          </p:cNvSpPr>
+          <p:nvPr>
+            <p:ph type="title"/>
+          </p:nvPr>
+        </p:nvSpPr>
+        <p:spPr>
+          <a:xfrm>
+            <a:off x="666750" y="487573"/>
+            <a:ext cx="7810500" cy="514800"/>
+          </a:xfrm>
+          <a:prstGeom prst="rect">
+            <a:avLst/>
+          </a:prstGeom>
+        </p:spPr>
+        <p:txBody>
+          <a:bodyPr spcFirstLastPara="1" wrap="square" lIns="19050" tIns="19050" rIns="19050" bIns="19050" anchor="b" anchorCtr="0">
+            <a:noAutofit/>
+          </a:bodyPr>
+          <a:lstStyle/>
+          <a:p>
+            <a:pPr marL="0" lvl="0" indent="0" algn="ctr" rtl="0">
+              <a:spcBef>
+                <a:spcPts val="0"/>
+              </a:spcBef>
+              <a:spcAft>
+                <a:spcPts val="0"/>
+              </a:spcAft>
+              <a:buNone/>
+            </a:pPr>
+            <a:r>
+              <a:rPr lang="en"/>
+              <a:t>Principal Component Analysis</a:t>
+            </a:r>
+            <a:endParaRPr/>
+          </a:p>
+        </p:txBody>
+      </p:sp>
+      <p:sp>
+        <p:nvSpPr>
+          <p:cNvPr id="101" name="Google Shape;101;p25"/>
+          <p:cNvSpPr txBox="1">
+            <a:spLocks noGrp="1"/>
+          </p:cNvSpPr>
+          <p:nvPr>
+            <p:ph type="body" idx="1"/>
+          </p:nvPr>
+        </p:nvSpPr>
+        <p:spPr>
+          <a:xfrm>
+            <a:off x="1264627" y="1164583"/>
+            <a:ext cx="6525358" cy="1222137"/>
+          </a:xfrm>
+          <a:prstGeom prst="rect">
+            <a:avLst/>
+          </a:prstGeom>
+        </p:spPr>
+        <p:txBody>
+          <a:bodyPr spcFirstLastPara="1" wrap="square" lIns="19050" tIns="19050" rIns="19050" bIns="19050" anchor="t" anchorCtr="0">
+            <a:noAutofit/>
+          </a:bodyPr>
+          <a:lstStyle/>
+          <a:p>
+            <a:pPr marL="457200" lvl="0" indent="-355600" algn="l" rtl="0">
+              <a:spcBef>
+                <a:spcPts val="0"/>
+              </a:spcBef>
+              <a:spcAft>
+                <a:spcPts val="0"/>
+              </a:spcAft>
+              <a:buSzPts val="2000"/>
+              <a:buChar char="●"/>
+            </a:pPr>
+            <a:r>
+              <a:rPr lang="en" sz="1200" dirty="0"/>
+              <a:t>Reduces dimensionality by combining all features into new features called </a:t>
+            </a:r>
+            <a:r>
+              <a:rPr lang="en" sz="1200" dirty="0">
+                <a:solidFill>
+                  <a:srgbClr val="FF0000"/>
+                </a:solidFill>
+              </a:rPr>
+              <a:t>Principal Components</a:t>
+            </a:r>
+            <a:endParaRPr sz="1200" dirty="0">
+              <a:solidFill>
+                <a:srgbClr val="FF0000"/>
+              </a:solidFill>
+            </a:endParaRPr>
+          </a:p>
+          <a:p>
+            <a:pPr lvl="1" indent="-355600" algn="l">
+              <a:buClr>
+                <a:schemeClr val="dk1"/>
+              </a:buClr>
+              <a:buFont typeface="Helvetica Neue"/>
+              <a:buChar char="○"/>
+            </a:pPr>
+            <a:r>
+              <a:rPr lang="en" sz="1200" dirty="0">
+                <a:solidFill>
+                  <a:schemeClr val="dk1"/>
+                </a:solidFill>
+              </a:rPr>
+              <a:t>PCs are combinations of original features, not the original features</a:t>
+            </a:r>
+          </a:p>
+          <a:p>
+            <a:pPr lvl="1" indent="-355600" algn="l">
+              <a:buClr>
+                <a:schemeClr val="dk1"/>
+              </a:buClr>
+              <a:buFont typeface="Helvetica Neue"/>
+              <a:buChar char="○"/>
+            </a:pPr>
+            <a:r>
+              <a:rPr lang="en" sz="1200" dirty="0">
+                <a:solidFill>
+                  <a:schemeClr val="dk1"/>
+                </a:solidFill>
+              </a:rPr>
+              <a:t>Errors are minimized perpendicular to the line.</a:t>
+            </a:r>
+          </a:p>
+          <a:p>
+            <a:pPr marL="914400" lvl="1" indent="-355600" algn="l" rtl="0">
+              <a:spcBef>
+                <a:spcPts val="0"/>
+              </a:spcBef>
+              <a:spcAft>
+                <a:spcPts val="0"/>
+              </a:spcAft>
+              <a:buClr>
+                <a:schemeClr val="dk1"/>
+              </a:buClr>
+              <a:buSzPts val="2000"/>
+              <a:buChar char="○"/>
+            </a:pPr>
+            <a:r>
+              <a:rPr lang="en" sz="1200" dirty="0">
+                <a:solidFill>
+                  <a:schemeClr val="dk1"/>
+                </a:solidFill>
+              </a:rPr>
+              <a:t>PCA Errors = Information lost</a:t>
+            </a:r>
+          </a:p>
+        </p:txBody>
+      </p:sp>
+      <p:sp>
+        <p:nvSpPr>
+          <p:cNvPr id="102" name="Google Shape;102;p25"/>
+          <p:cNvSpPr txBox="1"/>
+          <p:nvPr/>
+        </p:nvSpPr>
+        <p:spPr>
+          <a:xfrm>
+            <a:off x="5151760" y="4456223"/>
+            <a:ext cx="1303200" cy="400200"/>
+          </a:xfrm>
+          <a:prstGeom prst="rect">
+            <a:avLst/>
+          </a:prstGeom>
+          <a:noFill/>
+          <a:ln>
+            <a:noFill/>
+          </a:ln>
+        </p:spPr>
+        <p:txBody>
+          <a:bodyPr spcFirstLastPara="1" wrap="square" lIns="91425" tIns="91425" rIns="91425" bIns="91425" anchor="t" anchorCtr="0">
+            <a:spAutoFit/>
+          </a:bodyPr>
+          <a:lstStyle/>
+          <a:p>
+            <a:pPr marL="0" lvl="0" indent="0" algn="l" rtl="0">
+              <a:spcBef>
+                <a:spcPts val="0"/>
+              </a:spcBef>
+              <a:spcAft>
+                <a:spcPts val="0"/>
+              </a:spcAft>
+              <a:buNone/>
+            </a:pPr>
+            <a:r>
+              <a:rPr lang="en" u="sng" dirty="0">
+                <a:solidFill>
+                  <a:schemeClr val="hlink"/>
+                </a:solidFill>
+                <a:hlinkClick r:id="rId3"/>
+              </a:rPr>
+              <a:t>Image Source</a:t>
+            </a:r>
+            <a:endParaRPr dirty="0"/>
+          </a:p>
+        </p:txBody>
+      </p:sp>
+      <p:pic>
+        <p:nvPicPr>
+          <p:cNvPr id="103" name="Google Shape;103;p25"/>
+          <p:cNvPicPr preferRelativeResize="0"/>
+          <p:nvPr/>
+        </p:nvPicPr>
+        <p:blipFill rotWithShape="1">
+          <a:blip r:embed="rId4">
+            <a:alphaModFix/>
+          </a:blip>
+          <a:srcRect l="6664"/>
+          <a:stretch/>
+        </p:blipFill>
+        <p:spPr>
+          <a:xfrm>
+            <a:off x="4571999" y="2949130"/>
+            <a:ext cx="2330763" cy="1536285"/>
+          </a:xfrm>
+          <a:prstGeom prst="rect">
+            <a:avLst/>
+          </a:prstGeom>
+          <a:noFill/>
+          <a:ln>
+            <a:noFill/>
+          </a:ln>
+        </p:spPr>
+      </p:pic>
+      <p:pic>
+        <p:nvPicPr>
+          <p:cNvPr id="1026" name="Picture 2" descr="Understanding Linear Regression - Cloudera Community - 281391">
+            <a:extLst>
+              <a:ext uri="{FF2B5EF4-FFF2-40B4-BE49-F238E27FC236}">
+                <a16:creationId xmlns:a16="http://schemas.microsoft.com/office/drawing/2014/main" id="{C9943649-57B8-8E84-A78C-3C63538C59FE}"/>
+              </a:ext>
+            </a:extLst>
+          </p:cNvPr>
+          <p:cNvPicPr>
+            <a:picLocks noChangeAspect="1" noChangeArrowheads="1"/>
+          </p:cNvPicPr>
+          <p:nvPr/>
+        </p:nvPicPr>
+        <p:blipFill>
+          <a:blip r:embed="rId5">
+            <a:extLst>
+              <a:ext uri="{28A0092B-C50C-407E-A947-70E740481C1C}">
+                <a14:useLocalDpi xmlns:a14="http://schemas.microsoft.com/office/drawing/2010/main" val="0"/>
+              </a:ext>
+            </a:extLst>
+          </a:blip>
+          <a:srcRect/>
+          <a:stretch>
+            <a:fillRect/>
+          </a:stretch>
+        </p:blipFill>
+        <p:spPr bwMode="auto">
+          <a:xfrm>
+            <a:off x="1031591" y="2953816"/>
+            <a:ext cx="2541847" cy="1685355"/>
+          </a:xfrm>
+          <a:prstGeom prst="rect">
+            <a:avLst/>
+          </a:prstGeom>
+          <a:noFill/>
+          <a:extLst>
+            <a:ext uri="{909E8E84-426E-40DD-AFC4-6F175D3DCCD1}">
+              <a14:hiddenFill xmlns:a14="http://schemas.microsoft.com/office/drawing/2010/main">
+                <a:solidFill>
+                  <a:srgbClr val="FFFFFF"/>
+                </a:solidFill>
+              </a14:hiddenFill>
+            </a:ext>
+          </a:extLst>
+        </p:spPr>
+      </p:pic>
+      <p:sp>
+        <p:nvSpPr>
+          <p:cNvPr id="2" name="TextBox 1">
+            <a:extLst>
+              <a:ext uri="{FF2B5EF4-FFF2-40B4-BE49-F238E27FC236}">
+                <a16:creationId xmlns:a16="http://schemas.microsoft.com/office/drawing/2014/main" id="{429CC681-0A32-03EC-995C-012A8F8C7E5F}"/>
+              </a:ext>
+            </a:extLst>
+          </p:cNvPr>
+          <p:cNvSpPr txBox="1"/>
+          <p:nvPr/>
+        </p:nvSpPr>
+        <p:spPr>
+          <a:xfrm>
+            <a:off x="1539800" y="2510614"/>
+            <a:ext cx="2164375" cy="523220"/>
+          </a:xfrm>
+          <a:prstGeom prst="rect">
+            <a:avLst/>
+          </a:prstGeom>
+          <a:noFill/>
+        </p:spPr>
+        <p:txBody>
+          <a:bodyPr wrap="none" rtlCol="0">
+            <a:spAutoFit/>
+          </a:bodyPr>
+          <a:lstStyle/>
+          <a:p>
+            <a:r>
+              <a:rPr lang="en-US" b="1" dirty="0"/>
+              <a:t>Linear Regression</a:t>
+            </a:r>
+          </a:p>
+          <a:p>
+            <a:r>
+              <a:rPr lang="en-US" dirty="0"/>
+              <a:t>Minimize errors on y-axis</a:t>
+            </a:r>
+          </a:p>
+        </p:txBody>
+      </p:sp>
+      <p:sp>
+        <p:nvSpPr>
+          <p:cNvPr id="3" name="TextBox 2">
+            <a:extLst>
+              <a:ext uri="{FF2B5EF4-FFF2-40B4-BE49-F238E27FC236}">
+                <a16:creationId xmlns:a16="http://schemas.microsoft.com/office/drawing/2014/main" id="{2F374E46-2E3C-E6F8-962F-79A722D456D8}"/>
+              </a:ext>
+            </a:extLst>
+          </p:cNvPr>
+          <p:cNvSpPr txBox="1"/>
+          <p:nvPr/>
+        </p:nvSpPr>
+        <p:spPr>
+          <a:xfrm>
+            <a:off x="4953759" y="2333212"/>
+            <a:ext cx="2558561" cy="738664"/>
+          </a:xfrm>
+          <a:prstGeom prst="rect">
+            <a:avLst/>
+          </a:prstGeom>
+          <a:noFill/>
+        </p:spPr>
+        <p:txBody>
+          <a:bodyPr wrap="square" rtlCol="0">
+            <a:spAutoFit/>
+          </a:bodyPr>
+          <a:lstStyle/>
+          <a:p>
+            <a:r>
+              <a:rPr lang="en-US" b="1" dirty="0"/>
+              <a:t>PCA</a:t>
+            </a:r>
+          </a:p>
+          <a:p>
+            <a:r>
+              <a:rPr lang="en-US" dirty="0"/>
+              <a:t>Minimize errors perpendicular to the principal component</a:t>
+            </a:r>
+          </a:p>
+        </p:txBody>
+      </p:sp>
+      <p:sp>
+        <p:nvSpPr>
+          <p:cNvPr id="4" name="TextBox 3">
+            <a:extLst>
+              <a:ext uri="{FF2B5EF4-FFF2-40B4-BE49-F238E27FC236}">
+                <a16:creationId xmlns:a16="http://schemas.microsoft.com/office/drawing/2014/main" id="{1A1DD003-B307-B8ED-E4BF-02D4AE29CD76}"/>
+              </a:ext>
+            </a:extLst>
+          </p:cNvPr>
+          <p:cNvSpPr txBox="1"/>
+          <p:nvPr/>
+        </p:nvSpPr>
+        <p:spPr>
+          <a:xfrm>
+            <a:off x="1653137" y="4571200"/>
+            <a:ext cx="1298753" cy="307777"/>
+          </a:xfrm>
+          <a:prstGeom prst="rect">
+            <a:avLst/>
+          </a:prstGeom>
+          <a:noFill/>
+        </p:spPr>
+        <p:txBody>
+          <a:bodyPr wrap="none" rtlCol="0">
+            <a:spAutoFit/>
+          </a:bodyPr>
+          <a:lstStyle/>
+          <a:p>
+            <a:r>
+              <a:rPr lang="en-US" dirty="0">
+                <a:hlinkClick r:id="rId6"/>
+              </a:rPr>
+              <a:t>Image Source</a:t>
+            </a:r>
+            <a:endParaRPr lang="en-US" dirty="0"/>
+          </a:p>
+        </p:txBody>
+      </p:sp>
+    </p:spTree>
+  </p:cSld>
+  <p:clrMapOvr>
+    <a:masterClrMapping/>
+  </p:clrMapOvr>
+</p:sld>
+</file>
+
+<file path=ppt/slides/slide11.xml><?xml version="1.0" encoding="utf-8"?>
+<p:sld xmlns:a="http://schemas.openxmlformats.org/drawingml/2006/main" xmlns:r="http://schemas.openxmlformats.org/officeDocument/2006/relationships" xmlns:p="http://schemas.openxmlformats.org/presentationml/2006/main">
+  <p:cSld>
+    <p:spTree>
+      <p:nvGrpSpPr>
         <p:cNvPr id="1" name="Shape 107"/>
         <p:cNvGrpSpPr/>
         <p:nvPr/>
@@ -8654,7 +9075,7 @@
 </p:sld>
 </file>
 
-<file path=ppt/slides/slide11.xml><?xml version="1.0" encoding="utf-8"?>
+<file path=ppt/slides/slide12.xml><?xml version="1.0" encoding="utf-8"?>
 <p:sld xmlns:a="http://schemas.openxmlformats.org/drawingml/2006/main" xmlns:r="http://schemas.openxmlformats.org/officeDocument/2006/relationships" xmlns:p="http://schemas.openxmlformats.org/presentationml/2006/main">
   <p:cSld>
     <p:spTree>
@@ -8943,7 +9364,7 @@
 </p:sld>
 </file>
 
-<file path=ppt/slides/slide12.xml><?xml version="1.0" encoding="utf-8"?>
+<file path=ppt/slides/slide13.xml><?xml version="1.0" encoding="utf-8"?>
 <p:sld xmlns:a="http://schemas.openxmlformats.org/drawingml/2006/main" xmlns:r="http://schemas.openxmlformats.org/officeDocument/2006/relationships" xmlns:p="http://schemas.openxmlformats.org/presentationml/2006/main">
   <p:cSld>
     <p:spTree>
@@ -9053,10 +9474,10 @@
               <a:buNone/>
             </a:pPr>
             <a:r>
-              <a:rPr lang="en"/>
+              <a:rPr lang="en" dirty="0"/>
               <a:t>Each new component is defined as a combination of the original features, for example:</a:t>
             </a:r>
-            <a:endParaRPr/>
+            <a:endParaRPr dirty="0"/>
           </a:p>
           <a:p>
             <a:pPr marL="0" lvl="0" indent="0" algn="l" rtl="0">
@@ -9072,7 +9493,7 @@
               <a:buSzPts val="1400"/>
               <a:buNone/>
             </a:pPr>
-            <a:endParaRPr/>
+            <a:endParaRPr dirty="0"/>
           </a:p>
           <a:p>
             <a:pPr marL="0" lvl="0" indent="0" algn="l" rtl="0">
@@ -9089,10 +9510,10 @@
               <a:buNone/>
             </a:pPr>
             <a:r>
-              <a:rPr lang="en"/>
+              <a:rPr lang="en" dirty="0"/>
               <a:t>If we are reducing a dataset with 3 features, X1, X2, and X3</a:t>
             </a:r>
-            <a:endParaRPr/>
+            <a:endParaRPr dirty="0"/>
           </a:p>
           <a:p>
             <a:pPr marL="0" lvl="0" indent="0" algn="l" rtl="0">
@@ -9108,7 +9529,7 @@
               <a:buSzPts val="1400"/>
               <a:buNone/>
             </a:pPr>
-            <a:endParaRPr/>
+            <a:endParaRPr dirty="0"/>
           </a:p>
           <a:p>
             <a:pPr marL="0" lvl="0" indent="0" algn="l" rtl="0">
@@ -9125,10 +9546,10 @@
               <a:buNone/>
             </a:pPr>
             <a:r>
-              <a:rPr lang="en"/>
-              <a:t>Into a new dataset with 2 features, Z1 and Z2,</a:t>
-            </a:r>
-            <a:endParaRPr/>
+              <a:rPr lang="en" dirty="0"/>
+              <a:t>Into a new dataset with 2 features (principal components), Z1 and Z2,</a:t>
+            </a:r>
+            <a:endParaRPr dirty="0"/>
           </a:p>
           <a:p>
             <a:pPr marL="0" lvl="0" indent="0" algn="l" rtl="0">
@@ -9144,7 +9565,7 @@
               <a:buSzPts val="1400"/>
               <a:buNone/>
             </a:pPr>
-            <a:endParaRPr/>
+            <a:endParaRPr dirty="0"/>
           </a:p>
           <a:p>
             <a:pPr marL="0" lvl="0" indent="0" algn="l" rtl="0">
@@ -9161,10 +9582,10 @@
               <a:buNone/>
             </a:pPr>
             <a:r>
-              <a:rPr lang="en"/>
-              <a:t>The new features might be defined as:</a:t>
-            </a:r>
-            <a:endParaRPr/>
+              <a:rPr lang="en" dirty="0"/>
+              <a:t>The new components might be defined as:</a:t>
+            </a:r>
+            <a:endParaRPr dirty="0"/>
           </a:p>
           <a:p>
             <a:pPr marL="0" lvl="0" indent="0" algn="l" rtl="0">
@@ -9180,7 +9601,7 @@
               <a:buSzPts val="1400"/>
               <a:buNone/>
             </a:pPr>
-            <a:endParaRPr/>
+            <a:endParaRPr dirty="0"/>
           </a:p>
           <a:p>
             <a:pPr marL="0" lvl="0" indent="0" algn="l" rtl="0">
@@ -9197,10 +9618,10 @@
               <a:buNone/>
             </a:pPr>
             <a:r>
-              <a:rPr lang="en"/>
+              <a:rPr lang="en" dirty="0"/>
               <a:t>Z1 = (X1 * 0.7) + (X2 * 1.3) + (X3 * -0.9)</a:t>
             </a:r>
-            <a:endParaRPr/>
+            <a:endParaRPr dirty="0"/>
           </a:p>
           <a:p>
             <a:pPr marL="0" lvl="0" indent="0" algn="l" rtl="0">
@@ -9216,7 +9637,7 @@
               <a:buSzPts val="1400"/>
               <a:buNone/>
             </a:pPr>
-            <a:endParaRPr/>
+            <a:endParaRPr dirty="0"/>
           </a:p>
           <a:p>
             <a:pPr marL="0" lvl="0" indent="0" algn="l" rtl="0">
@@ -9233,10 +9654,10 @@
               <a:buNone/>
             </a:pPr>
             <a:r>
-              <a:rPr lang="en"/>
+              <a:rPr lang="en" dirty="0"/>
               <a:t>Z2 = (X1 * 1.2) + (X2 * 1.5) + (X3 * -0.2)</a:t>
             </a:r>
-            <a:endParaRPr/>
+            <a:endParaRPr dirty="0"/>
           </a:p>
           <a:p>
             <a:pPr marL="0" lvl="0" indent="0" algn="l" rtl="0">
@@ -9252,7 +9673,7 @@
               <a:buSzPts val="1400"/>
               <a:buNone/>
             </a:pPr>
-            <a:endParaRPr/>
+            <a:endParaRPr dirty="0"/>
           </a:p>
           <a:p>
             <a:pPr marL="0" lvl="0" indent="0" algn="l" rtl="0">
@@ -9269,10 +9690,10 @@
               <a:buNone/>
             </a:pPr>
             <a:r>
-              <a:rPr lang="en"/>
+              <a:rPr lang="en" dirty="0"/>
               <a:t>For each of the 3 features of each data point in the original dataset we would use the above formulae to convert them to the 2 features of the new dataset.</a:t>
             </a:r>
-            <a:endParaRPr/>
+            <a:endParaRPr dirty="0"/>
           </a:p>
         </p:txBody>
       </p:sp>
@@ -9378,7 +9799,7 @@
 </p:sld>
 </file>
 
-<file path=ppt/slides/slide13.xml><?xml version="1.0" encoding="utf-8"?>
+<file path=ppt/slides/slide14.xml><?xml version="1.0" encoding="utf-8"?>
 <p:sld xmlns:a="http://schemas.openxmlformats.org/drawingml/2006/main" xmlns:r="http://schemas.openxmlformats.org/officeDocument/2006/relationships" xmlns:p="http://schemas.openxmlformats.org/presentationml/2006/main">
   <p:cSld>
     <p:spTree>
@@ -9632,7 +10053,7 @@
 </p:sld>
 </file>
 
-<file path=ppt/slides/slide14.xml><?xml version="1.0" encoding="utf-8"?>
+<file path=ppt/slides/slide15.xml><?xml version="1.0" encoding="utf-8"?>
 <p:sld xmlns:a="http://schemas.openxmlformats.org/drawingml/2006/main" xmlns:r="http://schemas.openxmlformats.org/officeDocument/2006/relationships" xmlns:p="http://schemas.openxmlformats.org/presentationml/2006/main">
   <p:cSld>
     <p:spTree>
@@ -10000,7 +10421,7 @@
 </p:sld>
 </file>
 
-<file path=ppt/slides/slide15.xml><?xml version="1.0" encoding="utf-8"?>
+<file path=ppt/slides/slide16.xml><?xml version="1.0" encoding="utf-8"?>
 <p:sld xmlns:a="http://schemas.openxmlformats.org/drawingml/2006/main" xmlns:r="http://schemas.openxmlformats.org/officeDocument/2006/relationships" xmlns:p="http://schemas.openxmlformats.org/presentationml/2006/main">
   <p:cSld>
     <p:spTree>
@@ -10413,7 +10834,7 @@
 </p:sld>
 </file>
 
-<file path=ppt/slides/slide16.xml><?xml version="1.0" encoding="utf-8"?>
+<file path=ppt/slides/slide17.xml><?xml version="1.0" encoding="utf-8"?>
 <p:sld xmlns:a="http://schemas.openxmlformats.org/drawingml/2006/main" xmlns:r="http://schemas.openxmlformats.org/officeDocument/2006/relationships" xmlns:p="http://schemas.openxmlformats.org/presentationml/2006/main">
   <p:cSld>
     <p:spTree>
@@ -10552,7 +10973,7 @@
 </p:sld>
 </file>
 
-<file path=ppt/slides/slide17.xml><?xml version="1.0" encoding="utf-8"?>
+<file path=ppt/slides/slide18.xml><?xml version="1.0" encoding="utf-8"?>
 <p:sld xmlns:a="http://schemas.openxmlformats.org/drawingml/2006/main" xmlns:r="http://schemas.openxmlformats.org/officeDocument/2006/relationships" xmlns:p="http://schemas.openxmlformats.org/presentationml/2006/main">
   <p:cSld>
     <p:spTree>
@@ -11037,7 +11458,7 @@
 </p:sld>
 </file>
 
-<file path=ppt/slides/slide18.xml><?xml version="1.0" encoding="utf-8"?>
+<file path=ppt/slides/slide19.xml><?xml version="1.0" encoding="utf-8"?>
 <p:sld xmlns:a="http://schemas.openxmlformats.org/drawingml/2006/main" xmlns:r="http://schemas.openxmlformats.org/officeDocument/2006/relationships" xmlns:p="http://schemas.openxmlformats.org/presentationml/2006/main">
   <p:cSld>
     <p:spTree>
@@ -11367,381 +11788,6 @@
           </a:p>
         </p:txBody>
       </p:sp>
-    </p:spTree>
-  </p:cSld>
-  <p:clrMapOvr>
-    <a:masterClrMapping/>
-  </p:clrMapOvr>
-</p:sld>
-</file>
-
-<file path=ppt/slides/slide19.xml><?xml version="1.0" encoding="utf-8"?>
-<p:sld xmlns:a="http://schemas.openxmlformats.org/drawingml/2006/main" xmlns:r="http://schemas.openxmlformats.org/officeDocument/2006/relationships" xmlns:p="http://schemas.openxmlformats.org/presentationml/2006/main">
-  <p:cSld>
-    <p:spTree>
-      <p:nvGrpSpPr>
-        <p:cNvPr id="1" name="Shape 175"/>
-        <p:cNvGrpSpPr/>
-        <p:nvPr/>
-      </p:nvGrpSpPr>
-      <p:grpSpPr>
-        <a:xfrm>
-          <a:off x="0" y="0"/>
-          <a:ext cx="0" cy="0"/>
-          <a:chOff x="0" y="0"/>
-          <a:chExt cx="0" cy="0"/>
-        </a:xfrm>
-      </p:grpSpPr>
-      <p:sp>
-        <p:nvSpPr>
-          <p:cNvPr id="176" name="Google Shape;176;p35"/>
-          <p:cNvSpPr txBox="1">
-            <a:spLocks noGrp="1"/>
-          </p:cNvSpPr>
-          <p:nvPr>
-            <p:ph type="title"/>
-          </p:nvPr>
-        </p:nvSpPr>
-        <p:spPr>
-          <a:xfrm>
-            <a:off x="311700" y="445025"/>
-            <a:ext cx="8520600" cy="572700"/>
-          </a:xfrm>
-          <a:prstGeom prst="rect">
-            <a:avLst/>
-          </a:prstGeom>
-          <a:noFill/>
-          <a:ln>
-            <a:noFill/>
-          </a:ln>
-        </p:spPr>
-        <p:txBody>
-          <a:bodyPr spcFirstLastPara="1" wrap="square" lIns="68575" tIns="34275" rIns="68575" bIns="34275" anchor="ctr" anchorCtr="0">
-            <a:noAutofit/>
-          </a:bodyPr>
-          <a:lstStyle/>
-          <a:p>
-            <a:pPr marL="0" lvl="0" indent="0" algn="ctr" rtl="0">
-              <a:lnSpc>
-                <a:spcPct val="90000"/>
-              </a:lnSpc>
-              <a:spcBef>
-                <a:spcPts val="0"/>
-              </a:spcBef>
-              <a:spcAft>
-                <a:spcPts val="0"/>
-              </a:spcAft>
-              <a:buSzPts val="3300"/>
-              <a:buNone/>
-            </a:pPr>
-            <a:r>
-              <a:rPr lang="en"/>
-              <a:t>Today’s Challenge</a:t>
-            </a:r>
-            <a:endParaRPr/>
-          </a:p>
-        </p:txBody>
-      </p:sp>
-      <p:sp>
-        <p:nvSpPr>
-          <p:cNvPr id="177" name="Google Shape;177;p35"/>
-          <p:cNvSpPr txBox="1">
-            <a:spLocks noGrp="1"/>
-          </p:cNvSpPr>
-          <p:nvPr>
-            <p:ph type="body" idx="1"/>
-          </p:nvPr>
-        </p:nvSpPr>
-        <p:spPr>
-          <a:xfrm>
-            <a:off x="311700" y="1152475"/>
-            <a:ext cx="8520600" cy="3416400"/>
-          </a:xfrm>
-          <a:prstGeom prst="rect">
-            <a:avLst/>
-          </a:prstGeom>
-          <a:noFill/>
-          <a:ln>
-            <a:noFill/>
-          </a:ln>
-        </p:spPr>
-        <p:txBody>
-          <a:bodyPr spcFirstLastPara="1" wrap="square" lIns="91425" tIns="91425" rIns="91425" bIns="91425" anchor="t" anchorCtr="0">
-            <a:noAutofit/>
-          </a:bodyPr>
-          <a:lstStyle/>
-          <a:p>
-            <a:pPr marL="0" lvl="0" indent="0" algn="l" rtl="0">
-              <a:lnSpc>
-                <a:spcPct val="100000"/>
-              </a:lnSpc>
-              <a:spcBef>
-                <a:spcPts val="0"/>
-              </a:spcBef>
-              <a:spcAft>
-                <a:spcPts val="0"/>
-              </a:spcAft>
-              <a:buSzPts val="1400"/>
-              <a:buNone/>
-            </a:pPr>
-            <a:r>
-              <a:rPr lang="en" u="sng" dirty="0">
-                <a:solidFill>
-                  <a:schemeClr val="hlink"/>
-                </a:solidFill>
-                <a:hlinkClick r:id="rId3"/>
-              </a:rPr>
-              <a:t>Today’s Data: Identify defects in motors</a:t>
-            </a:r>
-            <a:endParaRPr dirty="0"/>
-          </a:p>
-          <a:p>
-            <a:pPr marL="0" lvl="0" indent="0" algn="l" rtl="0">
-              <a:lnSpc>
-                <a:spcPct val="100000"/>
-              </a:lnSpc>
-              <a:spcBef>
-                <a:spcPts val="0"/>
-              </a:spcBef>
-              <a:spcAft>
-                <a:spcPts val="0"/>
-              </a:spcAft>
-              <a:buSzPts val="1400"/>
-              <a:buNone/>
-            </a:pPr>
-            <a:endParaRPr dirty="0"/>
-          </a:p>
-          <a:p>
-            <a:pPr marL="457200" lvl="0" indent="-317500" algn="l" rtl="0">
-              <a:lnSpc>
-                <a:spcPct val="100000"/>
-              </a:lnSpc>
-              <a:spcBef>
-                <a:spcPts val="0"/>
-              </a:spcBef>
-              <a:spcAft>
-                <a:spcPts val="0"/>
-              </a:spcAft>
-              <a:buSzPts val="1400"/>
-              <a:buChar char="●"/>
-            </a:pPr>
-            <a:r>
-              <a:rPr lang="en" dirty="0"/>
-              <a:t>“Column 49” is the target, note that 1 is the normal condition, and the others are various types of defects</a:t>
-            </a:r>
-            <a:endParaRPr dirty="0"/>
-          </a:p>
-          <a:p>
-            <a:pPr marL="457200" lvl="0" indent="-317500" algn="l" rtl="0">
-              <a:lnSpc>
-                <a:spcPct val="100000"/>
-              </a:lnSpc>
-              <a:spcBef>
-                <a:spcPts val="0"/>
-              </a:spcBef>
-              <a:spcAft>
-                <a:spcPts val="0"/>
-              </a:spcAft>
-              <a:buSzPts val="1400"/>
-              <a:buChar char="●"/>
-            </a:pPr>
-            <a:r>
-              <a:rPr lang="en" dirty="0"/>
-              <a:t>Goal: Predict the condition of the motor with the highest overall accuracy</a:t>
-            </a:r>
-            <a:endParaRPr dirty="0"/>
-          </a:p>
-          <a:p>
-            <a:pPr marL="457200" lvl="0" indent="-317500" algn="l" rtl="0">
-              <a:lnSpc>
-                <a:spcPct val="100000"/>
-              </a:lnSpc>
-              <a:spcBef>
-                <a:spcPts val="0"/>
-              </a:spcBef>
-              <a:spcAft>
-                <a:spcPts val="0"/>
-              </a:spcAft>
-              <a:buSzPts val="1400"/>
-              <a:buChar char="●"/>
-            </a:pPr>
-            <a:r>
-              <a:rPr lang="en" dirty="0"/>
-              <a:t>This dataset is a great candidate for PCA because it has a lot of features </a:t>
-            </a:r>
-            <a:endParaRPr dirty="0"/>
-          </a:p>
-          <a:p>
-            <a:pPr marL="457200" lvl="0" indent="-317500" algn="l" rtl="0">
-              <a:lnSpc>
-                <a:spcPct val="100000"/>
-              </a:lnSpc>
-              <a:spcBef>
-                <a:spcPts val="0"/>
-              </a:spcBef>
-              <a:spcAft>
-                <a:spcPts val="0"/>
-              </a:spcAft>
-              <a:buSzPts val="1400"/>
-              <a:buChar char="●"/>
-            </a:pPr>
-            <a:r>
-              <a:rPr lang="en" dirty="0"/>
-              <a:t>Also the prediction task is not focused on interpreting the features: We just need to identify what type of defect it is.</a:t>
-            </a:r>
-            <a:endParaRPr dirty="0"/>
-          </a:p>
-          <a:p>
-            <a:pPr marL="0" lvl="0" indent="0" algn="l" rtl="0">
-              <a:lnSpc>
-                <a:spcPct val="100000"/>
-              </a:lnSpc>
-              <a:spcBef>
-                <a:spcPts val="0"/>
-              </a:spcBef>
-              <a:spcAft>
-                <a:spcPts val="0"/>
-              </a:spcAft>
-              <a:buSzPts val="1400"/>
-              <a:buNone/>
-            </a:pPr>
-            <a:endParaRPr dirty="0"/>
-          </a:p>
-          <a:p>
-            <a:pPr marL="0" lvl="0" indent="0" algn="ctr" rtl="0">
-              <a:lnSpc>
-                <a:spcPct val="100000"/>
-              </a:lnSpc>
-              <a:spcBef>
-                <a:spcPts val="0"/>
-              </a:spcBef>
-              <a:spcAft>
-                <a:spcPts val="0"/>
-              </a:spcAft>
-              <a:buSzPts val="1400"/>
-              <a:buNone/>
-            </a:pPr>
-            <a:r>
-              <a:rPr lang="en" sz="1800" u="sng" dirty="0">
-                <a:solidFill>
-                  <a:schemeClr val="hlink"/>
-                </a:solidFill>
-                <a:hlinkClick r:id="rId4"/>
-              </a:rPr>
-              <a:t>Challenge Notebook</a:t>
-            </a:r>
-            <a:endParaRPr lang="en" sz="1800" u="sng" dirty="0">
-              <a:solidFill>
-                <a:schemeClr val="hlink"/>
-              </a:solidFill>
-            </a:endParaRPr>
-          </a:p>
-          <a:p>
-            <a:pPr marL="0" lvl="0" indent="0" rtl="0">
-              <a:lnSpc>
-                <a:spcPct val="100000"/>
-              </a:lnSpc>
-              <a:spcBef>
-                <a:spcPts val="0"/>
-              </a:spcBef>
-              <a:spcAft>
-                <a:spcPts val="0"/>
-              </a:spcAft>
-              <a:buSzPts val="1400"/>
-              <a:buNone/>
-            </a:pPr>
-            <a:r>
-              <a:rPr lang="en" sz="1800" dirty="0">
-                <a:solidFill>
-                  <a:schemeClr val="hlink"/>
-                </a:solidFill>
-              </a:rPr>
-              <a:t>				</a:t>
-            </a:r>
-          </a:p>
-          <a:p>
-            <a:pPr marL="0" lvl="0" indent="0" rtl="0">
-              <a:lnSpc>
-                <a:spcPct val="100000"/>
-              </a:lnSpc>
-              <a:spcBef>
-                <a:spcPts val="0"/>
-              </a:spcBef>
-              <a:spcAft>
-                <a:spcPts val="0"/>
-              </a:spcAft>
-              <a:buSzPts val="1400"/>
-              <a:buNone/>
-            </a:pPr>
-            <a:r>
-              <a:rPr lang="en" sz="1800" dirty="0">
-                <a:solidFill>
-                  <a:schemeClr val="hlink"/>
-                </a:solidFill>
-              </a:rPr>
-              <a:t>			</a:t>
-            </a:r>
-            <a:r>
-              <a:rPr lang="en" dirty="0"/>
-              <a:t>Click on :</a:t>
-            </a:r>
-            <a:endParaRPr dirty="0"/>
-          </a:p>
-          <a:p>
-            <a:pPr marL="5943600" lvl="0" indent="457200" algn="l" rtl="0">
-              <a:lnSpc>
-                <a:spcPct val="100000"/>
-              </a:lnSpc>
-              <a:spcBef>
-                <a:spcPts val="0"/>
-              </a:spcBef>
-              <a:spcAft>
-                <a:spcPts val="0"/>
-              </a:spcAft>
-              <a:buSzPts val="1400"/>
-              <a:buNone/>
-            </a:pPr>
-            <a:r>
-              <a:rPr lang="en" u="sng" dirty="0">
-                <a:solidFill>
-                  <a:schemeClr val="hlink"/>
-                </a:solidFill>
-                <a:hlinkClick r:id="rId5"/>
-              </a:rPr>
-              <a:t>Original Source of Data</a:t>
-            </a:r>
-            <a:endParaRPr dirty="0"/>
-          </a:p>
-        </p:txBody>
-      </p:sp>
-      <p:pic>
-        <p:nvPicPr>
-          <p:cNvPr id="178" name="Google Shape;178;p35"/>
-          <p:cNvPicPr preferRelativeResize="0"/>
-          <p:nvPr/>
-        </p:nvPicPr>
-        <p:blipFill>
-          <a:blip r:embed="rId6">
-            <a:alphaModFix/>
-          </a:blip>
-          <a:stretch>
-            <a:fillRect/>
-          </a:stretch>
-        </p:blipFill>
-        <p:spPr>
-          <a:xfrm>
-            <a:off x="3994406" y="3721200"/>
-            <a:ext cx="1155188" cy="269825"/>
-          </a:xfrm>
-          <a:prstGeom prst="rect">
-            <a:avLst/>
-          </a:prstGeom>
-          <a:noFill/>
-          <a:ln>
-            <a:noFill/>
-          </a:ln>
-        </p:spPr>
-      </p:pic>
     </p:spTree>
   </p:cSld>
   <p:clrMapOvr>
@@ -12217,6 +12263,381 @@
 </file>
 
 <file path=ppt/slides/slide20.xml><?xml version="1.0" encoding="utf-8"?>
+<p:sld xmlns:a="http://schemas.openxmlformats.org/drawingml/2006/main" xmlns:r="http://schemas.openxmlformats.org/officeDocument/2006/relationships" xmlns:p="http://schemas.openxmlformats.org/presentationml/2006/main">
+  <p:cSld>
+    <p:spTree>
+      <p:nvGrpSpPr>
+        <p:cNvPr id="1" name="Shape 175"/>
+        <p:cNvGrpSpPr/>
+        <p:nvPr/>
+      </p:nvGrpSpPr>
+      <p:grpSpPr>
+        <a:xfrm>
+          <a:off x="0" y="0"/>
+          <a:ext cx="0" cy="0"/>
+          <a:chOff x="0" y="0"/>
+          <a:chExt cx="0" cy="0"/>
+        </a:xfrm>
+      </p:grpSpPr>
+      <p:sp>
+        <p:nvSpPr>
+          <p:cNvPr id="176" name="Google Shape;176;p35"/>
+          <p:cNvSpPr txBox="1">
+            <a:spLocks noGrp="1"/>
+          </p:cNvSpPr>
+          <p:nvPr>
+            <p:ph type="title"/>
+          </p:nvPr>
+        </p:nvSpPr>
+        <p:spPr>
+          <a:xfrm>
+            <a:off x="311700" y="445025"/>
+            <a:ext cx="8520600" cy="572700"/>
+          </a:xfrm>
+          <a:prstGeom prst="rect">
+            <a:avLst/>
+          </a:prstGeom>
+          <a:noFill/>
+          <a:ln>
+            <a:noFill/>
+          </a:ln>
+        </p:spPr>
+        <p:txBody>
+          <a:bodyPr spcFirstLastPara="1" wrap="square" lIns="68575" tIns="34275" rIns="68575" bIns="34275" anchor="ctr" anchorCtr="0">
+            <a:noAutofit/>
+          </a:bodyPr>
+          <a:lstStyle/>
+          <a:p>
+            <a:pPr marL="0" lvl="0" indent="0" algn="ctr" rtl="0">
+              <a:lnSpc>
+                <a:spcPct val="90000"/>
+              </a:lnSpc>
+              <a:spcBef>
+                <a:spcPts val="0"/>
+              </a:spcBef>
+              <a:spcAft>
+                <a:spcPts val="0"/>
+              </a:spcAft>
+              <a:buSzPts val="3300"/>
+              <a:buNone/>
+            </a:pPr>
+            <a:r>
+              <a:rPr lang="en"/>
+              <a:t>Today’s Challenge</a:t>
+            </a:r>
+            <a:endParaRPr/>
+          </a:p>
+        </p:txBody>
+      </p:sp>
+      <p:sp>
+        <p:nvSpPr>
+          <p:cNvPr id="177" name="Google Shape;177;p35"/>
+          <p:cNvSpPr txBox="1">
+            <a:spLocks noGrp="1"/>
+          </p:cNvSpPr>
+          <p:nvPr>
+            <p:ph type="body" idx="1"/>
+          </p:nvPr>
+        </p:nvSpPr>
+        <p:spPr>
+          <a:xfrm>
+            <a:off x="311700" y="1152475"/>
+            <a:ext cx="8520600" cy="3416400"/>
+          </a:xfrm>
+          <a:prstGeom prst="rect">
+            <a:avLst/>
+          </a:prstGeom>
+          <a:noFill/>
+          <a:ln>
+            <a:noFill/>
+          </a:ln>
+        </p:spPr>
+        <p:txBody>
+          <a:bodyPr spcFirstLastPara="1" wrap="square" lIns="91425" tIns="91425" rIns="91425" bIns="91425" anchor="t" anchorCtr="0">
+            <a:noAutofit/>
+          </a:bodyPr>
+          <a:lstStyle/>
+          <a:p>
+            <a:pPr marL="0" lvl="0" indent="0" algn="l" rtl="0">
+              <a:lnSpc>
+                <a:spcPct val="100000"/>
+              </a:lnSpc>
+              <a:spcBef>
+                <a:spcPts val="0"/>
+              </a:spcBef>
+              <a:spcAft>
+                <a:spcPts val="0"/>
+              </a:spcAft>
+              <a:buSzPts val="1400"/>
+              <a:buNone/>
+            </a:pPr>
+            <a:r>
+              <a:rPr lang="en" u="sng" dirty="0">
+                <a:solidFill>
+                  <a:schemeClr val="hlink"/>
+                </a:solidFill>
+                <a:hlinkClick r:id="rId3"/>
+              </a:rPr>
+              <a:t>Today’s Data: Identify defects in motors</a:t>
+            </a:r>
+            <a:endParaRPr dirty="0"/>
+          </a:p>
+          <a:p>
+            <a:pPr marL="0" lvl="0" indent="0" algn="l" rtl="0">
+              <a:lnSpc>
+                <a:spcPct val="100000"/>
+              </a:lnSpc>
+              <a:spcBef>
+                <a:spcPts val="0"/>
+              </a:spcBef>
+              <a:spcAft>
+                <a:spcPts val="0"/>
+              </a:spcAft>
+              <a:buSzPts val="1400"/>
+              <a:buNone/>
+            </a:pPr>
+            <a:endParaRPr dirty="0"/>
+          </a:p>
+          <a:p>
+            <a:pPr marL="457200" lvl="0" indent="-317500" algn="l" rtl="0">
+              <a:lnSpc>
+                <a:spcPct val="100000"/>
+              </a:lnSpc>
+              <a:spcBef>
+                <a:spcPts val="0"/>
+              </a:spcBef>
+              <a:spcAft>
+                <a:spcPts val="0"/>
+              </a:spcAft>
+              <a:buSzPts val="1400"/>
+              <a:buChar char="●"/>
+            </a:pPr>
+            <a:r>
+              <a:rPr lang="en" dirty="0"/>
+              <a:t>“Column 49” is the target, note that 1 is the normal condition, and the others are various types of defects</a:t>
+            </a:r>
+            <a:endParaRPr dirty="0"/>
+          </a:p>
+          <a:p>
+            <a:pPr marL="457200" lvl="0" indent="-317500" algn="l" rtl="0">
+              <a:lnSpc>
+                <a:spcPct val="100000"/>
+              </a:lnSpc>
+              <a:spcBef>
+                <a:spcPts val="0"/>
+              </a:spcBef>
+              <a:spcAft>
+                <a:spcPts val="0"/>
+              </a:spcAft>
+              <a:buSzPts val="1400"/>
+              <a:buChar char="●"/>
+            </a:pPr>
+            <a:r>
+              <a:rPr lang="en" dirty="0"/>
+              <a:t>Goal: Predict the condition of the motor with the highest overall accuracy</a:t>
+            </a:r>
+            <a:endParaRPr dirty="0"/>
+          </a:p>
+          <a:p>
+            <a:pPr marL="457200" lvl="0" indent="-317500" algn="l" rtl="0">
+              <a:lnSpc>
+                <a:spcPct val="100000"/>
+              </a:lnSpc>
+              <a:spcBef>
+                <a:spcPts val="0"/>
+              </a:spcBef>
+              <a:spcAft>
+                <a:spcPts val="0"/>
+              </a:spcAft>
+              <a:buSzPts val="1400"/>
+              <a:buChar char="●"/>
+            </a:pPr>
+            <a:r>
+              <a:rPr lang="en" dirty="0"/>
+              <a:t>This dataset is a great candidate for PCA because it has a lot of features </a:t>
+            </a:r>
+            <a:endParaRPr dirty="0"/>
+          </a:p>
+          <a:p>
+            <a:pPr marL="457200" lvl="0" indent="-317500" algn="l" rtl="0">
+              <a:lnSpc>
+                <a:spcPct val="100000"/>
+              </a:lnSpc>
+              <a:spcBef>
+                <a:spcPts val="0"/>
+              </a:spcBef>
+              <a:spcAft>
+                <a:spcPts val="0"/>
+              </a:spcAft>
+              <a:buSzPts val="1400"/>
+              <a:buChar char="●"/>
+            </a:pPr>
+            <a:r>
+              <a:rPr lang="en" dirty="0"/>
+              <a:t>Also the prediction task is not focused on interpreting the features: We just need to identify what type of defect it is.</a:t>
+            </a:r>
+            <a:endParaRPr dirty="0"/>
+          </a:p>
+          <a:p>
+            <a:pPr marL="0" lvl="0" indent="0" algn="l" rtl="0">
+              <a:lnSpc>
+                <a:spcPct val="100000"/>
+              </a:lnSpc>
+              <a:spcBef>
+                <a:spcPts val="0"/>
+              </a:spcBef>
+              <a:spcAft>
+                <a:spcPts val="0"/>
+              </a:spcAft>
+              <a:buSzPts val="1400"/>
+              <a:buNone/>
+            </a:pPr>
+            <a:endParaRPr dirty="0"/>
+          </a:p>
+          <a:p>
+            <a:pPr marL="0" lvl="0" indent="0" algn="ctr" rtl="0">
+              <a:lnSpc>
+                <a:spcPct val="100000"/>
+              </a:lnSpc>
+              <a:spcBef>
+                <a:spcPts val="0"/>
+              </a:spcBef>
+              <a:spcAft>
+                <a:spcPts val="0"/>
+              </a:spcAft>
+              <a:buSzPts val="1400"/>
+              <a:buNone/>
+            </a:pPr>
+            <a:r>
+              <a:rPr lang="en" sz="1800" u="sng" dirty="0">
+                <a:solidFill>
+                  <a:schemeClr val="hlink"/>
+                </a:solidFill>
+                <a:hlinkClick r:id="rId4"/>
+              </a:rPr>
+              <a:t>Challenge Notebook</a:t>
+            </a:r>
+            <a:endParaRPr lang="en" sz="1800" u="sng" dirty="0">
+              <a:solidFill>
+                <a:schemeClr val="hlink"/>
+              </a:solidFill>
+            </a:endParaRPr>
+          </a:p>
+          <a:p>
+            <a:pPr marL="0" lvl="0" indent="0" rtl="0">
+              <a:lnSpc>
+                <a:spcPct val="100000"/>
+              </a:lnSpc>
+              <a:spcBef>
+                <a:spcPts val="0"/>
+              </a:spcBef>
+              <a:spcAft>
+                <a:spcPts val="0"/>
+              </a:spcAft>
+              <a:buSzPts val="1400"/>
+              <a:buNone/>
+            </a:pPr>
+            <a:r>
+              <a:rPr lang="en" sz="1800" dirty="0">
+                <a:solidFill>
+                  <a:schemeClr val="hlink"/>
+                </a:solidFill>
+              </a:rPr>
+              <a:t>				</a:t>
+            </a:r>
+          </a:p>
+          <a:p>
+            <a:pPr marL="0" lvl="0" indent="0" rtl="0">
+              <a:lnSpc>
+                <a:spcPct val="100000"/>
+              </a:lnSpc>
+              <a:spcBef>
+                <a:spcPts val="0"/>
+              </a:spcBef>
+              <a:spcAft>
+                <a:spcPts val="0"/>
+              </a:spcAft>
+              <a:buSzPts val="1400"/>
+              <a:buNone/>
+            </a:pPr>
+            <a:r>
+              <a:rPr lang="en" sz="1800" dirty="0">
+                <a:solidFill>
+                  <a:schemeClr val="hlink"/>
+                </a:solidFill>
+              </a:rPr>
+              <a:t>			</a:t>
+            </a:r>
+            <a:r>
+              <a:rPr lang="en" dirty="0"/>
+              <a:t>Click on :</a:t>
+            </a:r>
+            <a:endParaRPr dirty="0"/>
+          </a:p>
+          <a:p>
+            <a:pPr marL="5943600" lvl="0" indent="457200" algn="l" rtl="0">
+              <a:lnSpc>
+                <a:spcPct val="100000"/>
+              </a:lnSpc>
+              <a:spcBef>
+                <a:spcPts val="0"/>
+              </a:spcBef>
+              <a:spcAft>
+                <a:spcPts val="0"/>
+              </a:spcAft>
+              <a:buSzPts val="1400"/>
+              <a:buNone/>
+            </a:pPr>
+            <a:r>
+              <a:rPr lang="en" u="sng" dirty="0">
+                <a:solidFill>
+                  <a:schemeClr val="hlink"/>
+                </a:solidFill>
+                <a:hlinkClick r:id="rId5"/>
+              </a:rPr>
+              <a:t>Original Source of Data</a:t>
+            </a:r>
+            <a:endParaRPr dirty="0"/>
+          </a:p>
+        </p:txBody>
+      </p:sp>
+      <p:pic>
+        <p:nvPicPr>
+          <p:cNvPr id="178" name="Google Shape;178;p35"/>
+          <p:cNvPicPr preferRelativeResize="0"/>
+          <p:nvPr/>
+        </p:nvPicPr>
+        <p:blipFill>
+          <a:blip r:embed="rId6">
+            <a:alphaModFix/>
+          </a:blip>
+          <a:stretch>
+            <a:fillRect/>
+          </a:stretch>
+        </p:blipFill>
+        <p:spPr>
+          <a:xfrm>
+            <a:off x="3994406" y="3721200"/>
+            <a:ext cx="1155188" cy="269825"/>
+          </a:xfrm>
+          <a:prstGeom prst="rect">
+            <a:avLst/>
+          </a:prstGeom>
+          <a:noFill/>
+          <a:ln>
+            <a:noFill/>
+          </a:ln>
+        </p:spPr>
+      </p:pic>
+    </p:spTree>
+  </p:cSld>
+  <p:clrMapOvr>
+    <a:masterClrMapping/>
+  </p:clrMapOvr>
+</p:sld>
+</file>
+
+<file path=ppt/slides/slide21.xml><?xml version="1.0" encoding="utf-8"?>
 <p:sld xmlns:a="http://schemas.openxmlformats.org/drawingml/2006/main" xmlns:r="http://schemas.openxmlformats.org/officeDocument/2006/relationships" xmlns:p="http://schemas.openxmlformats.org/presentationml/2006/main">
   <p:cSld>
     <p:spTree>
@@ -12518,7 +12939,7 @@
 </p:sld>
 </file>
 
-<file path=ppt/slides/slide21.xml><?xml version="1.0" encoding="utf-8"?>
+<file path=ppt/slides/slide22.xml><?xml version="1.0" encoding="utf-8"?>
 <p:sld xmlns:a="http://schemas.openxmlformats.org/drawingml/2006/main" xmlns:r="http://schemas.openxmlformats.org/officeDocument/2006/relationships" xmlns:p="http://schemas.openxmlformats.org/presentationml/2006/main">
   <p:cSld>
     <p:spTree>
@@ -12792,7 +13213,7 @@
 </p:sld>
 </file>
 
-<file path=ppt/slides/slide22.xml><?xml version="1.0" encoding="utf-8"?>
+<file path=ppt/slides/slide23.xml><?xml version="1.0" encoding="utf-8"?>
 <p:sld xmlns:a="http://schemas.openxmlformats.org/drawingml/2006/main" xmlns:r="http://schemas.openxmlformats.org/officeDocument/2006/relationships" xmlns:p="http://schemas.openxmlformats.org/presentationml/2006/main">
   <p:cSld>
     <p:spTree>
@@ -12953,7 +13374,7 @@
 </p:sld>
 </file>
 
-<file path=ppt/slides/slide23.xml><?xml version="1.0" encoding="utf-8"?>
+<file path=ppt/slides/slide24.xml><?xml version="1.0" encoding="utf-8"?>
 <p:sld xmlns:a="http://schemas.openxmlformats.org/drawingml/2006/main" xmlns:r="http://schemas.openxmlformats.org/officeDocument/2006/relationships" xmlns:p="http://schemas.openxmlformats.org/presentationml/2006/main">
   <p:cSld>
     <p:spTree>
@@ -13272,7 +13693,7 @@
 </p:sld>
 </file>
 
-<file path=ppt/slides/slide24.xml><?xml version="1.0" encoding="utf-8"?>
+<file path=ppt/slides/slide25.xml><?xml version="1.0" encoding="utf-8"?>
 <p:sld xmlns:a="http://schemas.openxmlformats.org/drawingml/2006/main" xmlns:r="http://schemas.openxmlformats.org/officeDocument/2006/relationships" xmlns:p="http://schemas.openxmlformats.org/presentationml/2006/main">
   <p:cSld>
     <p:spTree>
@@ -14151,7 +14572,7 @@
         </p:nvGraphicFramePr>
         <p:xfrm>
           <a:off x="952500" y="2000250"/>
-          <a:ext cx="3000000" cy="3000000"/>
+          <a:ext cx="7239000" cy="1584840"/>
         </p:xfrm>
         <a:graphic>
           <a:graphicData uri="http://schemas.openxmlformats.org/drawingml/2006/table">
@@ -14789,14 +15210,14 @@
               <a:buChar char="●"/>
             </a:pPr>
             <a:r>
-              <a:rPr lang="en" sz="1600" b="1" u="sng"/>
+              <a:rPr lang="en" sz="1600" b="1" u="sng" dirty="0"/>
               <a:t>Dimensions</a:t>
             </a:r>
             <a:r>
-              <a:rPr lang="en" sz="1600" b="1"/>
+              <a:rPr lang="en" sz="1600" b="1" dirty="0"/>
               <a:t> are features (columns in the dataset)</a:t>
             </a:r>
-            <a:endParaRPr sz="1600" b="1"/>
+            <a:endParaRPr sz="1600" b="1" dirty="0"/>
           </a:p>
           <a:p>
             <a:pPr marL="457200" lvl="0" indent="0" algn="l" rtl="0">
@@ -14812,7 +15233,7 @@
               <a:buSzPts val="1400"/>
               <a:buNone/>
             </a:pPr>
-            <a:endParaRPr/>
+            <a:endParaRPr dirty="0"/>
           </a:p>
           <a:p>
             <a:pPr marL="457200" lvl="0" indent="-311150" algn="l" rtl="0">
@@ -14829,13 +15250,13 @@
               <a:buChar char="●"/>
             </a:pPr>
             <a:r>
-              <a:rPr lang="en" sz="1300"/>
+              <a:rPr lang="en" sz="1300" dirty="0"/>
               <a:t>Machine learning datasets can have a huge number of features (even in the millions!)</a:t>
             </a:r>
             <a:br>
-              <a:rPr lang="en" sz="1300"/>
+              <a:rPr lang="en" sz="1300" dirty="0"/>
             </a:br>
-            <a:endParaRPr sz="1300"/>
+            <a:endParaRPr sz="1300" dirty="0"/>
           </a:p>
           <a:p>
             <a:pPr marL="914400" lvl="1" indent="-311150" algn="l" rtl="0">
@@ -14852,10 +15273,10 @@
               <a:buChar char="○"/>
             </a:pPr>
             <a:r>
-              <a:rPr lang="en" sz="1300"/>
+              <a:rPr lang="en" sz="1300" dirty="0"/>
               <a:t>Too many features slow training and/or predicting</a:t>
             </a:r>
-            <a:endParaRPr sz="1300"/>
+            <a:endParaRPr sz="1300" dirty="0"/>
           </a:p>
           <a:p>
             <a:pPr marL="1371600" lvl="2" indent="-311150" algn="l" rtl="0">
@@ -14872,21 +15293,21 @@
               <a:buChar char="■"/>
             </a:pPr>
             <a:r>
-              <a:rPr lang="en" sz="1300"/>
+              <a:rPr lang="en" sz="1300" dirty="0"/>
               <a:t>Certain algorithm training or predicting times are </a:t>
             </a:r>
             <a:r>
-              <a:rPr lang="en" sz="1300" i="1"/>
+              <a:rPr lang="en" sz="1300" i="1" dirty="0"/>
               <a:t>especially </a:t>
             </a:r>
             <a:r>
-              <a:rPr lang="en" sz="1300"/>
+              <a:rPr lang="en" sz="1300" dirty="0"/>
               <a:t>sensitive to more features</a:t>
             </a:r>
             <a:br>
-              <a:rPr lang="en" sz="1300"/>
+              <a:rPr lang="en" sz="1300" dirty="0"/>
             </a:br>
-            <a:endParaRPr sz="1300"/>
+            <a:endParaRPr sz="1300" dirty="0"/>
           </a:p>
           <a:p>
             <a:pPr marL="914400" lvl="1" indent="-311150" algn="l" rtl="0">
@@ -14903,10 +15324,10 @@
               <a:buChar char="○"/>
             </a:pPr>
             <a:r>
-              <a:rPr lang="en" sz="1300"/>
+              <a:rPr lang="en" sz="1300" dirty="0"/>
               <a:t>“Curse of Dimensionality”</a:t>
             </a:r>
-            <a:endParaRPr sz="1300"/>
+            <a:endParaRPr sz="1300" dirty="0"/>
           </a:p>
           <a:p>
             <a:pPr marL="1371600" lvl="2" indent="-311150" algn="l" rtl="0">
@@ -14923,10 +15344,10 @@
               <a:buChar char="■"/>
             </a:pPr>
             <a:r>
-              <a:rPr lang="en" sz="1300"/>
-              <a:t>Clustering algorithms tend to perform worse with more features: data more ‘spread out’</a:t>
-            </a:r>
-            <a:endParaRPr sz="1300"/>
+              <a:rPr lang="en" sz="1300" dirty="0"/>
+              <a:t>Clustering algorithms tend to perform worse with more features: data points are more ‘spread out’</a:t>
+            </a:r>
+            <a:endParaRPr sz="1300" dirty="0"/>
           </a:p>
           <a:p>
             <a:pPr marL="1371600" lvl="0" indent="0" algn="l" rtl="0">
@@ -14941,7 +15362,7 @@
               </a:spcAft>
               <a:buNone/>
             </a:pPr>
-            <a:endParaRPr sz="1300"/>
+            <a:endParaRPr sz="1300" dirty="0"/>
           </a:p>
           <a:p>
             <a:pPr marL="914400" lvl="1" indent="-311150" algn="l" rtl="0">
@@ -14958,10 +15379,10 @@
               <a:buChar char="○"/>
             </a:pPr>
             <a:r>
-              <a:rPr lang="en" sz="1300"/>
+              <a:rPr lang="en" sz="1300" dirty="0"/>
               <a:t>Greater risk of overfitting.</a:t>
             </a:r>
-            <a:endParaRPr sz="1300"/>
+            <a:endParaRPr sz="1300" dirty="0"/>
           </a:p>
           <a:p>
             <a:pPr marL="1371600" lvl="2" indent="-311150" algn="l" rtl="0">
@@ -14978,13 +15399,32 @@
               <a:buChar char="■"/>
             </a:pPr>
             <a:r>
-              <a:rPr lang="en" sz="1300"/>
+              <a:rPr lang="en" sz="1300" dirty="0"/>
+              <a:t>More features mean more complexity</a:t>
+            </a:r>
+          </a:p>
+          <a:p>
+            <a:pPr marL="1371600" lvl="2" indent="-311150" algn="l" rtl="0">
+              <a:lnSpc>
+                <a:spcPct val="100000"/>
+              </a:lnSpc>
+              <a:spcBef>
+                <a:spcPts val="0"/>
+              </a:spcBef>
+              <a:spcAft>
+                <a:spcPts val="0"/>
+              </a:spcAft>
+              <a:buSzPts val="1300"/>
+              <a:buChar char="■"/>
+            </a:pPr>
+            <a:r>
+              <a:rPr lang="en" sz="1300" dirty="0"/>
               <a:t>Dimensionality reduction can be regularization by reducing complexity</a:t>
             </a:r>
             <a:br>
-              <a:rPr lang="en" sz="1300"/>
+              <a:rPr lang="en" sz="1300" dirty="0"/>
             </a:br>
-            <a:endParaRPr sz="1300"/>
+            <a:endParaRPr sz="1300" dirty="0"/>
           </a:p>
           <a:p>
             <a:pPr marL="457200" lvl="0" indent="0" algn="l" rtl="0">
@@ -15000,7 +15440,7 @@
               <a:buSzPts val="1400"/>
               <a:buNone/>
             </a:pPr>
-            <a:endParaRPr sz="1300"/>
+            <a:endParaRPr sz="1300" dirty="0"/>
           </a:p>
           <a:p>
             <a:pPr marL="457200" lvl="0" indent="0" algn="l" rtl="0">
@@ -15016,7 +15456,7 @@
               <a:buSzPts val="1400"/>
               <a:buNone/>
             </a:pPr>
-            <a:endParaRPr/>
+            <a:endParaRPr dirty="0"/>
           </a:p>
           <a:p>
             <a:pPr marL="0" lvl="0" indent="0" algn="l" rtl="0">
@@ -15032,7 +15472,7 @@
               <a:buSzPts val="1400"/>
               <a:buNone/>
             </a:pPr>
-            <a:endParaRPr/>
+            <a:endParaRPr dirty="0"/>
           </a:p>
         </p:txBody>
       </p:sp>
@@ -15116,7 +15556,7 @@
   <p:cSld>
     <p:spTree>
       <p:nvGrpSpPr>
-        <p:cNvPr id="1" name="Shape 99"/>
+        <p:cNvPr id="1" name=""/>
         <p:cNvGrpSpPr/>
         <p:nvPr/>
       </p:nvGrpSpPr>
@@ -15130,230 +15570,81 @@
       </p:grpSpPr>
       <p:sp>
         <p:nvSpPr>
-          <p:cNvPr id="100" name="Google Shape;100;p25"/>
-          <p:cNvSpPr txBox="1">
+          <p:cNvPr id="2" name="Title 1">
+            <a:extLst>
+              <a:ext uri="{FF2B5EF4-FFF2-40B4-BE49-F238E27FC236}">
+                <a16:creationId xmlns:a16="http://schemas.microsoft.com/office/drawing/2014/main" id="{FA2A1E06-38C8-83C8-FD57-F84A22069A15}"/>
+              </a:ext>
+            </a:extLst>
+          </p:cNvPr>
+          <p:cNvSpPr>
             <a:spLocks noGrp="1"/>
           </p:cNvSpPr>
           <p:nvPr>
             <p:ph type="title"/>
           </p:nvPr>
         </p:nvSpPr>
-        <p:spPr>
-          <a:xfrm>
-            <a:off x="666750" y="487573"/>
-            <a:ext cx="7810500" cy="514800"/>
-          </a:xfrm>
-          <a:prstGeom prst="rect">
-            <a:avLst/>
-          </a:prstGeom>
-        </p:spPr>
+        <p:spPr/>
         <p:txBody>
-          <a:bodyPr spcFirstLastPara="1" wrap="square" lIns="19050" tIns="19050" rIns="19050" bIns="19050" anchor="b" anchorCtr="0">
-            <a:noAutofit/>
-          </a:bodyPr>
+          <a:bodyPr/>
           <a:lstStyle/>
           <a:p>
-            <a:pPr marL="0" lvl="0" indent="0" algn="ctr" rtl="0">
-              <a:spcBef>
-                <a:spcPts val="0"/>
-              </a:spcBef>
-              <a:spcAft>
-                <a:spcPts val="0"/>
-              </a:spcAft>
-              <a:buNone/>
-            </a:pPr>
-            <a:r>
-              <a:rPr lang="en"/>
-              <a:t>Principal Component Analysis</a:t>
-            </a:r>
-            <a:endParaRPr/>
+            <a:r>
+              <a:rPr lang="en-US" dirty="0"/>
+              <a:t>PCA Transforms or Engineers Data</a:t>
+            </a:r>
           </a:p>
         </p:txBody>
       </p:sp>
       <p:sp>
         <p:nvSpPr>
-          <p:cNvPr id="101" name="Google Shape;101;p25"/>
-          <p:cNvSpPr txBox="1">
+          <p:cNvPr id="3" name="Text Placeholder 2">
+            <a:extLst>
+              <a:ext uri="{FF2B5EF4-FFF2-40B4-BE49-F238E27FC236}">
+                <a16:creationId xmlns:a16="http://schemas.microsoft.com/office/drawing/2014/main" id="{6DD9BF6A-6D9D-9A21-9AE4-BA28564D50E7}"/>
+              </a:ext>
+            </a:extLst>
+          </p:cNvPr>
+          <p:cNvSpPr>
             <a:spLocks noGrp="1"/>
           </p:cNvSpPr>
           <p:nvPr>
             <p:ph type="body" idx="1"/>
           </p:nvPr>
         </p:nvSpPr>
-        <p:spPr>
-          <a:xfrm>
-            <a:off x="666750" y="1249450"/>
-            <a:ext cx="5405100" cy="2598600"/>
-          </a:xfrm>
-          <a:prstGeom prst="rect">
-            <a:avLst/>
-          </a:prstGeom>
-        </p:spPr>
+        <p:spPr/>
         <p:txBody>
-          <a:bodyPr spcFirstLastPara="1" wrap="square" lIns="19050" tIns="19050" rIns="19050" bIns="19050" anchor="t" anchorCtr="0">
-            <a:noAutofit/>
-          </a:bodyPr>
+          <a:bodyPr/>
           <a:lstStyle/>
           <a:p>
-            <a:pPr marL="457200" lvl="0" indent="-355600" algn="l" rtl="0">
-              <a:spcBef>
-                <a:spcPts val="0"/>
-              </a:spcBef>
-              <a:spcAft>
-                <a:spcPts val="0"/>
-              </a:spcAft>
-              <a:buSzPts val="2000"/>
-              <a:buChar char="●"/>
-            </a:pPr>
-            <a:r>
-              <a:rPr lang="en"/>
-              <a:t>Combines all features into new features called </a:t>
-            </a:r>
-            <a:r>
-              <a:rPr lang="en">
-                <a:solidFill>
-                  <a:srgbClr val="FF0000"/>
-                </a:solidFill>
-              </a:rPr>
-              <a:t>Principal Components</a:t>
-            </a:r>
-            <a:endParaRPr>
-              <a:solidFill>
-                <a:srgbClr val="FF0000"/>
-              </a:solidFill>
-            </a:endParaRPr>
-          </a:p>
-          <a:p>
-            <a:pPr marL="914400" lvl="1" indent="-355600" algn="l" rtl="0">
-              <a:spcBef>
-                <a:spcPts val="0"/>
-              </a:spcBef>
-              <a:spcAft>
-                <a:spcPts val="0"/>
-              </a:spcAft>
-              <a:buClr>
-                <a:schemeClr val="dk1"/>
-              </a:buClr>
-              <a:buSzPts val="2000"/>
-              <a:buChar char="○"/>
-            </a:pPr>
-            <a:r>
-              <a:rPr lang="en" b="1">
-                <a:solidFill>
-                  <a:schemeClr val="dk1"/>
-                </a:solidFill>
-              </a:rPr>
-              <a:t>These are NOT the same as the original features!!!</a:t>
-            </a:r>
-            <a:endParaRPr b="1">
-              <a:solidFill>
-                <a:schemeClr val="dk1"/>
-              </a:solidFill>
-            </a:endParaRPr>
-          </a:p>
-          <a:p>
-            <a:pPr marL="457200" lvl="0" indent="0" algn="l" rtl="0">
-              <a:spcBef>
-                <a:spcPts val="0"/>
-              </a:spcBef>
-              <a:spcAft>
-                <a:spcPts val="0"/>
-              </a:spcAft>
-              <a:buNone/>
-            </a:pPr>
-            <a:endParaRPr/>
-          </a:p>
-          <a:p>
-            <a:pPr marL="457200" lvl="0" indent="-355600" algn="l" rtl="0">
-              <a:spcBef>
-                <a:spcPts val="0"/>
-              </a:spcBef>
-              <a:spcAft>
-                <a:spcPts val="0"/>
-              </a:spcAft>
-              <a:buSzPts val="2000"/>
-              <a:buChar char="●"/>
-            </a:pPr>
-            <a:r>
-              <a:rPr lang="en"/>
-              <a:t>Principal Components are ordered from most informative to least.</a:t>
-            </a:r>
-            <a:endParaRPr/>
-          </a:p>
-          <a:p>
-            <a:pPr marL="914400" lvl="1" indent="-355600" algn="l" rtl="0">
-              <a:spcBef>
-                <a:spcPts val="0"/>
-              </a:spcBef>
-              <a:spcAft>
-                <a:spcPts val="0"/>
-              </a:spcAft>
-              <a:buSzPts val="2000"/>
-              <a:buChar char="○"/>
-            </a:pPr>
-            <a:r>
-              <a:rPr lang="en"/>
-              <a:t>i.e. first PC explains the most variance, second PC explains the next most…</a:t>
-            </a:r>
-            <a:endParaRPr/>
-          </a:p>
-        </p:txBody>
-      </p:sp>
-      <p:sp>
-        <p:nvSpPr>
-          <p:cNvPr id="102" name="Google Shape;102;p25"/>
-          <p:cNvSpPr txBox="1"/>
-          <p:nvPr/>
-        </p:nvSpPr>
-        <p:spPr>
-          <a:xfrm>
-            <a:off x="6962975" y="3511100"/>
-            <a:ext cx="1303200" cy="400200"/>
-          </a:xfrm>
-          <a:prstGeom prst="rect">
-            <a:avLst/>
-          </a:prstGeom>
-          <a:noFill/>
-          <a:ln>
-            <a:noFill/>
-          </a:ln>
-        </p:spPr>
-        <p:txBody>
-          <a:bodyPr spcFirstLastPara="1" wrap="square" lIns="91425" tIns="91425" rIns="91425" bIns="91425" anchor="t" anchorCtr="0">
-            <a:spAutoFit/>
-          </a:bodyPr>
-          <a:lstStyle/>
-          <a:p>
-            <a:pPr marL="0" lvl="0" indent="0" algn="l" rtl="0">
-              <a:spcBef>
-                <a:spcPts val="0"/>
-              </a:spcBef>
-              <a:spcAft>
-                <a:spcPts val="0"/>
-              </a:spcAft>
-              <a:buNone/>
-            </a:pPr>
-            <a:r>
-              <a:rPr lang="en" u="sng">
-                <a:solidFill>
-                  <a:schemeClr val="hlink"/>
-                </a:solidFill>
-                <a:hlinkClick r:id="rId3"/>
-              </a:rPr>
-              <a:t>Image Source</a:t>
-            </a:r>
-            <a:endParaRPr/>
+            <a:r>
+              <a:rPr lang="en-US" dirty="0"/>
+              <a:t>Principal Component Analysis is used as a transformer</a:t>
+            </a:r>
+          </a:p>
+          <a:p>
+            <a:pPr lvl="1"/>
+            <a:r>
+              <a:rPr lang="en-US" dirty="0"/>
+              <a:t>Preprocessing</a:t>
+            </a:r>
           </a:p>
         </p:txBody>
       </p:sp>
       <p:pic>
         <p:nvPicPr>
-          <p:cNvPr id="103" name="Google Shape;103;p25"/>
+          <p:cNvPr id="4" name="Google Shape;103;p25">
+            <a:extLst>
+              <a:ext uri="{FF2B5EF4-FFF2-40B4-BE49-F238E27FC236}">
+                <a16:creationId xmlns:a16="http://schemas.microsoft.com/office/drawing/2014/main" id="{5FDC75E2-8B0A-89A9-90C1-71D0370F37CC}"/>
+              </a:ext>
+            </a:extLst>
+          </p:cNvPr>
           <p:cNvPicPr preferRelativeResize="0"/>
           <p:nvPr/>
         </p:nvPicPr>
         <p:blipFill rotWithShape="1">
-          <a:blip r:embed="rId4">
+          <a:blip r:embed="rId2">
             <a:alphaModFix/>
           </a:blip>
           <a:srcRect l="6664"/>
@@ -15361,8 +15652,8 @@
         </p:blipFill>
         <p:spPr>
           <a:xfrm>
-            <a:off x="6071850" y="1633575"/>
-            <a:ext cx="3037050" cy="1830350"/>
+            <a:off x="5767753" y="1515983"/>
+            <a:ext cx="2936632" cy="2159201"/>
           </a:xfrm>
           <a:prstGeom prst="rect">
             <a:avLst/>
@@ -15374,6 +15665,11 @@
         </p:spPr>
       </p:pic>
     </p:spTree>
+    <p:extLst>
+      <p:ext uri="{BB962C8B-B14F-4D97-AF65-F5344CB8AC3E}">
+        <p14:creationId xmlns:p14="http://schemas.microsoft.com/office/powerpoint/2010/main" val="4137140778"/>
+      </p:ext>
+    </p:extLst>
   </p:cSld>
   <p:clrMapOvr>
     <a:masterClrMapping/>

--- a/11.7.22 Week 10 Day 1 Principal Component Analysis.pptx
+++ b/11.7.22 Week 10 Day 1 Principal Component Analysis.pptx
@@ -4388,7 +4388,7 @@
         <p:fade/>
       </p:transition>
     </mc:Choice>
-    <mc:Fallback xmlns:ahyp="http://schemas.microsoft.com/office/drawing/2018/hyperlinkcolor" xmlns:p15="http://schemas.microsoft.com/office/powerpoint/2012/main" xmlns:com="http://schemas.openxmlformats.org/drawingml/2006/compatibility" xmlns:pvml="urn:schemas-microsoft-com:office:powerpoint" xmlns:v="urn:schemas-microsoft-com:vml" xmlns:o="urn:schemas-microsoft-com:office:office" xmlns:dgm="http://schemas.openxmlformats.org/drawingml/2006/diagram" xmlns:c="http://schemas.openxmlformats.org/drawingml/2006/chart" xmlns:mv="urn:schemas-microsoft-com:mac:vml" xmlns="">
+    <mc:Fallback xmlns="" xmlns:mv="urn:schemas-microsoft-com:mac:vml" xmlns:c="http://schemas.openxmlformats.org/drawingml/2006/chart" xmlns:dgm="http://schemas.openxmlformats.org/drawingml/2006/diagram" xmlns:o="urn:schemas-microsoft-com:office:office" xmlns:v="urn:schemas-microsoft-com:vml" xmlns:pvml="urn:schemas-microsoft-com:office:powerpoint" xmlns:com="http://schemas.openxmlformats.org/drawingml/2006/compatibility" xmlns:p15="http://schemas.microsoft.com/office/powerpoint/2012/main" xmlns:ahyp="http://schemas.microsoft.com/office/drawing/2018/hyperlinkcolor">
       <p:transition spd="slow">
         <p:fade/>
       </p:transition>
@@ -4425,7 +4425,7 @@
         <p:fade/>
       </p:transition>
     </mc:Choice>
-    <mc:Fallback xmlns:ahyp="http://schemas.microsoft.com/office/drawing/2018/hyperlinkcolor" xmlns:p15="http://schemas.microsoft.com/office/powerpoint/2012/main" xmlns:com="http://schemas.openxmlformats.org/drawingml/2006/compatibility" xmlns:pvml="urn:schemas-microsoft-com:office:powerpoint" xmlns:v="urn:schemas-microsoft-com:vml" xmlns:o="urn:schemas-microsoft-com:office:office" xmlns:dgm="http://schemas.openxmlformats.org/drawingml/2006/diagram" xmlns:c="http://schemas.openxmlformats.org/drawingml/2006/chart" xmlns:mv="urn:schemas-microsoft-com:mac:vml" xmlns="">
+    <mc:Fallback xmlns="" xmlns:mv="urn:schemas-microsoft-com:mac:vml" xmlns:c="http://schemas.openxmlformats.org/drawingml/2006/chart" xmlns:dgm="http://schemas.openxmlformats.org/drawingml/2006/diagram" xmlns:o="urn:schemas-microsoft-com:office:office" xmlns:v="urn:schemas-microsoft-com:vml" xmlns:pvml="urn:schemas-microsoft-com:office:powerpoint" xmlns:com="http://schemas.openxmlformats.org/drawingml/2006/compatibility" xmlns:p15="http://schemas.microsoft.com/office/powerpoint/2012/main" xmlns:ahyp="http://schemas.microsoft.com/office/drawing/2018/hyperlinkcolor">
       <p:transition spd="slow">
         <p:fade/>
       </p:transition>
@@ -4462,7 +4462,7 @@
         <p:fade/>
       </p:transition>
     </mc:Choice>
-    <mc:Fallback xmlns:ahyp="http://schemas.microsoft.com/office/drawing/2018/hyperlinkcolor" xmlns:p15="http://schemas.microsoft.com/office/powerpoint/2012/main" xmlns:com="http://schemas.openxmlformats.org/drawingml/2006/compatibility" xmlns:pvml="urn:schemas-microsoft-com:office:powerpoint" xmlns:v="urn:schemas-microsoft-com:vml" xmlns:o="urn:schemas-microsoft-com:office:office" xmlns:dgm="http://schemas.openxmlformats.org/drawingml/2006/diagram" xmlns:c="http://schemas.openxmlformats.org/drawingml/2006/chart" xmlns:mv="urn:schemas-microsoft-com:mac:vml" xmlns="">
+    <mc:Fallback xmlns="" xmlns:mv="urn:schemas-microsoft-com:mac:vml" xmlns:c="http://schemas.openxmlformats.org/drawingml/2006/chart" xmlns:dgm="http://schemas.openxmlformats.org/drawingml/2006/diagram" xmlns:o="urn:schemas-microsoft-com:office:office" xmlns:v="urn:schemas-microsoft-com:vml" xmlns:pvml="urn:schemas-microsoft-com:office:powerpoint" xmlns:com="http://schemas.openxmlformats.org/drawingml/2006/compatibility" xmlns:p15="http://schemas.microsoft.com/office/powerpoint/2012/main" xmlns:ahyp="http://schemas.microsoft.com/office/drawing/2018/hyperlinkcolor">
       <p:transition spd="slow">
         <p:fade/>
       </p:transition>
@@ -4499,7 +4499,7 @@
         <p:fade/>
       </p:transition>
     </mc:Choice>
-    <mc:Fallback xmlns:ahyp="http://schemas.microsoft.com/office/drawing/2018/hyperlinkcolor" xmlns:p15="http://schemas.microsoft.com/office/powerpoint/2012/main" xmlns:com="http://schemas.openxmlformats.org/drawingml/2006/compatibility" xmlns:pvml="urn:schemas-microsoft-com:office:powerpoint" xmlns:v="urn:schemas-microsoft-com:vml" xmlns:o="urn:schemas-microsoft-com:office:office" xmlns:dgm="http://schemas.openxmlformats.org/drawingml/2006/diagram" xmlns:c="http://schemas.openxmlformats.org/drawingml/2006/chart" xmlns:mv="urn:schemas-microsoft-com:mac:vml" xmlns="">
+    <mc:Fallback xmlns="" xmlns:mv="urn:schemas-microsoft-com:mac:vml" xmlns:c="http://schemas.openxmlformats.org/drawingml/2006/chart" xmlns:dgm="http://schemas.openxmlformats.org/drawingml/2006/diagram" xmlns:o="urn:schemas-microsoft-com:office:office" xmlns:v="urn:schemas-microsoft-com:vml" xmlns:pvml="urn:schemas-microsoft-com:office:powerpoint" xmlns:com="http://schemas.openxmlformats.org/drawingml/2006/compatibility" xmlns:p15="http://schemas.microsoft.com/office/powerpoint/2012/main" xmlns:ahyp="http://schemas.microsoft.com/office/drawing/2018/hyperlinkcolor">
       <p:transition spd="slow">
         <p:fade/>
       </p:transition>
@@ -4536,7 +4536,7 @@
         <p:fade/>
       </p:transition>
     </mc:Choice>
-    <mc:Fallback xmlns:ahyp="http://schemas.microsoft.com/office/drawing/2018/hyperlinkcolor" xmlns:p15="http://schemas.microsoft.com/office/powerpoint/2012/main" xmlns:com="http://schemas.openxmlformats.org/drawingml/2006/compatibility" xmlns:pvml="urn:schemas-microsoft-com:office:powerpoint" xmlns:v="urn:schemas-microsoft-com:vml" xmlns:o="urn:schemas-microsoft-com:office:office" xmlns:dgm="http://schemas.openxmlformats.org/drawingml/2006/diagram" xmlns:c="http://schemas.openxmlformats.org/drawingml/2006/chart" xmlns:mv="urn:schemas-microsoft-com:mac:vml" xmlns="">
+    <mc:Fallback xmlns="" xmlns:mv="urn:schemas-microsoft-com:mac:vml" xmlns:c="http://schemas.openxmlformats.org/drawingml/2006/chart" xmlns:dgm="http://schemas.openxmlformats.org/drawingml/2006/diagram" xmlns:o="urn:schemas-microsoft-com:office:office" xmlns:v="urn:schemas-microsoft-com:vml" xmlns:pvml="urn:schemas-microsoft-com:office:powerpoint" xmlns:com="http://schemas.openxmlformats.org/drawingml/2006/compatibility" xmlns:p15="http://schemas.microsoft.com/office/powerpoint/2012/main" xmlns:ahyp="http://schemas.microsoft.com/office/drawing/2018/hyperlinkcolor">
       <p:transition spd="slow">
         <p:fade/>
       </p:transition>
@@ -6571,7 +6571,7 @@
         <p:fade/>
       </p:transition>
     </mc:Choice>
-    <mc:Fallback xmlns:ahyp="http://schemas.microsoft.com/office/drawing/2018/hyperlinkcolor" xmlns:p15="http://schemas.microsoft.com/office/powerpoint/2012/main" xmlns:com="http://schemas.openxmlformats.org/drawingml/2006/compatibility" xmlns:pvml="urn:schemas-microsoft-com:office:powerpoint" xmlns:v="urn:schemas-microsoft-com:vml" xmlns:o="urn:schemas-microsoft-com:office:office" xmlns:dgm="http://schemas.openxmlformats.org/drawingml/2006/diagram" xmlns:c="http://schemas.openxmlformats.org/drawingml/2006/chart" xmlns:mv="urn:schemas-microsoft-com:mac:vml" xmlns="">
+    <mc:Fallback xmlns="" xmlns:mv="urn:schemas-microsoft-com:mac:vml" xmlns:c="http://schemas.openxmlformats.org/drawingml/2006/chart" xmlns:dgm="http://schemas.openxmlformats.org/drawingml/2006/diagram" xmlns:o="urn:schemas-microsoft-com:office:office" xmlns:v="urn:schemas-microsoft-com:vml" xmlns:pvml="urn:schemas-microsoft-com:office:powerpoint" xmlns:com="http://schemas.openxmlformats.org/drawingml/2006/compatibility" xmlns:p15="http://schemas.microsoft.com/office/powerpoint/2012/main" xmlns:ahyp="http://schemas.microsoft.com/office/drawing/2018/hyperlinkcolor">
       <p:transition spd="slow">
         <p:fade/>
       </p:transition>
@@ -6608,7 +6608,7 @@
         <p:fade/>
       </p:transition>
     </mc:Choice>
-    <mc:Fallback xmlns:ahyp="http://schemas.microsoft.com/office/drawing/2018/hyperlinkcolor" xmlns:p15="http://schemas.microsoft.com/office/powerpoint/2012/main" xmlns:com="http://schemas.openxmlformats.org/drawingml/2006/compatibility" xmlns:pvml="urn:schemas-microsoft-com:office:powerpoint" xmlns:v="urn:schemas-microsoft-com:vml" xmlns:o="urn:schemas-microsoft-com:office:office" xmlns:dgm="http://schemas.openxmlformats.org/drawingml/2006/diagram" xmlns:c="http://schemas.openxmlformats.org/drawingml/2006/chart" xmlns:mv="urn:schemas-microsoft-com:mac:vml" xmlns="">
+    <mc:Fallback xmlns="" xmlns:mv="urn:schemas-microsoft-com:mac:vml" xmlns:c="http://schemas.openxmlformats.org/drawingml/2006/chart" xmlns:dgm="http://schemas.openxmlformats.org/drawingml/2006/diagram" xmlns:o="urn:schemas-microsoft-com:office:office" xmlns:v="urn:schemas-microsoft-com:vml" xmlns:pvml="urn:schemas-microsoft-com:office:powerpoint" xmlns:com="http://schemas.openxmlformats.org/drawingml/2006/compatibility" xmlns:p15="http://schemas.microsoft.com/office/powerpoint/2012/main" xmlns:ahyp="http://schemas.microsoft.com/office/drawing/2018/hyperlinkcolor">
       <p:transition spd="slow">
         <p:fade/>
       </p:transition>
@@ -6645,7 +6645,7 @@
         <p:fade/>
       </p:transition>
     </mc:Choice>
-    <mc:Fallback xmlns:ahyp="http://schemas.microsoft.com/office/drawing/2018/hyperlinkcolor" xmlns:p15="http://schemas.microsoft.com/office/powerpoint/2012/main" xmlns:com="http://schemas.openxmlformats.org/drawingml/2006/compatibility" xmlns:pvml="urn:schemas-microsoft-com:office:powerpoint" xmlns:v="urn:schemas-microsoft-com:vml" xmlns:o="urn:schemas-microsoft-com:office:office" xmlns:dgm="http://schemas.openxmlformats.org/drawingml/2006/diagram" xmlns:c="http://schemas.openxmlformats.org/drawingml/2006/chart" xmlns:mv="urn:schemas-microsoft-com:mac:vml" xmlns="">
+    <mc:Fallback xmlns="" xmlns:mv="urn:schemas-microsoft-com:mac:vml" xmlns:c="http://schemas.openxmlformats.org/drawingml/2006/chart" xmlns:dgm="http://schemas.openxmlformats.org/drawingml/2006/diagram" xmlns:o="urn:schemas-microsoft-com:office:office" xmlns:v="urn:schemas-microsoft-com:vml" xmlns:pvml="urn:schemas-microsoft-com:office:powerpoint" xmlns:com="http://schemas.openxmlformats.org/drawingml/2006/compatibility" xmlns:p15="http://schemas.microsoft.com/office/powerpoint/2012/main" xmlns:ahyp="http://schemas.microsoft.com/office/drawing/2018/hyperlinkcolor">
       <p:transition spd="slow">
         <p:fade/>
       </p:transition>
@@ -6682,7 +6682,7 @@
         <p:fade/>
       </p:transition>
     </mc:Choice>
-    <mc:Fallback xmlns:ahyp="http://schemas.microsoft.com/office/drawing/2018/hyperlinkcolor" xmlns:p15="http://schemas.microsoft.com/office/powerpoint/2012/main" xmlns:com="http://schemas.openxmlformats.org/drawingml/2006/compatibility" xmlns:pvml="urn:schemas-microsoft-com:office:powerpoint" xmlns:v="urn:schemas-microsoft-com:vml" xmlns:o="urn:schemas-microsoft-com:office:office" xmlns:dgm="http://schemas.openxmlformats.org/drawingml/2006/diagram" xmlns:c="http://schemas.openxmlformats.org/drawingml/2006/chart" xmlns:mv="urn:schemas-microsoft-com:mac:vml" xmlns="">
+    <mc:Fallback xmlns="" xmlns:mv="urn:schemas-microsoft-com:mac:vml" xmlns:c="http://schemas.openxmlformats.org/drawingml/2006/chart" xmlns:dgm="http://schemas.openxmlformats.org/drawingml/2006/diagram" xmlns:o="urn:schemas-microsoft-com:office:office" xmlns:v="urn:schemas-microsoft-com:vml" xmlns:pvml="urn:schemas-microsoft-com:office:powerpoint" xmlns:com="http://schemas.openxmlformats.org/drawingml/2006/compatibility" xmlns:p15="http://schemas.microsoft.com/office/powerpoint/2012/main" xmlns:ahyp="http://schemas.microsoft.com/office/drawing/2018/hyperlinkcolor">
       <p:transition spd="slow">
         <p:fade/>
       </p:transition>
@@ -6719,7 +6719,7 @@
         <p:fade/>
       </p:transition>
     </mc:Choice>
-    <mc:Fallback xmlns:ahyp="http://schemas.microsoft.com/office/drawing/2018/hyperlinkcolor" xmlns:p15="http://schemas.microsoft.com/office/powerpoint/2012/main" xmlns:com="http://schemas.openxmlformats.org/drawingml/2006/compatibility" xmlns:pvml="urn:schemas-microsoft-com:office:powerpoint" xmlns:v="urn:schemas-microsoft-com:vml" xmlns:o="urn:schemas-microsoft-com:office:office" xmlns:dgm="http://schemas.openxmlformats.org/drawingml/2006/diagram" xmlns:c="http://schemas.openxmlformats.org/drawingml/2006/chart" xmlns:mv="urn:schemas-microsoft-com:mac:vml" xmlns="">
+    <mc:Fallback xmlns="" xmlns:mv="urn:schemas-microsoft-com:mac:vml" xmlns:c="http://schemas.openxmlformats.org/drawingml/2006/chart" xmlns:dgm="http://schemas.openxmlformats.org/drawingml/2006/diagram" xmlns:o="urn:schemas-microsoft-com:office:office" xmlns:v="urn:schemas-microsoft-com:vml" xmlns:pvml="urn:schemas-microsoft-com:office:powerpoint" xmlns:com="http://schemas.openxmlformats.org/drawingml/2006/compatibility" xmlns:p15="http://schemas.microsoft.com/office/powerpoint/2012/main" xmlns:ahyp="http://schemas.microsoft.com/office/drawing/2018/hyperlinkcolor">
       <p:transition spd="slow">
         <p:fade/>
       </p:transition>
@@ -6756,7 +6756,7 @@
         <p:fade/>
       </p:transition>
     </mc:Choice>
-    <mc:Fallback xmlns:ahyp="http://schemas.microsoft.com/office/drawing/2018/hyperlinkcolor" xmlns:p15="http://schemas.microsoft.com/office/powerpoint/2012/main" xmlns:com="http://schemas.openxmlformats.org/drawingml/2006/compatibility" xmlns:pvml="urn:schemas-microsoft-com:office:powerpoint" xmlns:v="urn:schemas-microsoft-com:vml" xmlns:o="urn:schemas-microsoft-com:office:office" xmlns:dgm="http://schemas.openxmlformats.org/drawingml/2006/diagram" xmlns:c="http://schemas.openxmlformats.org/drawingml/2006/chart" xmlns:mv="urn:schemas-microsoft-com:mac:vml" xmlns="">
+    <mc:Fallback xmlns="" xmlns:mv="urn:schemas-microsoft-com:mac:vml" xmlns:c="http://schemas.openxmlformats.org/drawingml/2006/chart" xmlns:dgm="http://schemas.openxmlformats.org/drawingml/2006/diagram" xmlns:o="urn:schemas-microsoft-com:office:office" xmlns:v="urn:schemas-microsoft-com:vml" xmlns:pvml="urn:schemas-microsoft-com:office:powerpoint" xmlns:com="http://schemas.openxmlformats.org/drawingml/2006/compatibility" xmlns:p15="http://schemas.microsoft.com/office/powerpoint/2012/main" xmlns:ahyp="http://schemas.microsoft.com/office/drawing/2018/hyperlinkcolor">
       <p:transition spd="slow">
         <p:fade/>
       </p:transition>
@@ -7355,7 +7355,7 @@
         <p:fade/>
       </p:transition>
     </mc:Choice>
-    <mc:Fallback xmlns:ahyp="http://schemas.microsoft.com/office/drawing/2018/hyperlinkcolor" xmlns:p15="http://schemas.microsoft.com/office/powerpoint/2012/main" xmlns:com="http://schemas.openxmlformats.org/drawingml/2006/compatibility" xmlns:pvml="urn:schemas-microsoft-com:office:powerpoint" xmlns:v="urn:schemas-microsoft-com:vml" xmlns:o="urn:schemas-microsoft-com:office:office" xmlns:dgm="http://schemas.openxmlformats.org/drawingml/2006/diagram" xmlns:c="http://schemas.openxmlformats.org/drawingml/2006/chart" xmlns:mv="urn:schemas-microsoft-com:mac:vml" xmlns="">
+    <mc:Fallback xmlns="" xmlns:mv="urn:schemas-microsoft-com:mac:vml" xmlns:c="http://schemas.openxmlformats.org/drawingml/2006/chart" xmlns:dgm="http://schemas.openxmlformats.org/drawingml/2006/diagram" xmlns:o="urn:schemas-microsoft-com:office:office" xmlns:v="urn:schemas-microsoft-com:vml" xmlns:pvml="urn:schemas-microsoft-com:office:powerpoint" xmlns:com="http://schemas.openxmlformats.org/drawingml/2006/compatibility" xmlns:p15="http://schemas.microsoft.com/office/powerpoint/2012/main" xmlns:ahyp="http://schemas.microsoft.com/office/drawing/2018/hyperlinkcolor">
       <p:transition spd="slow">
         <p:fade/>
       </p:transition>
